--- a/Project1Presentation.pptx
+++ b/Project1Presentation.pptx
@@ -6,11 +6,13 @@
   </p:sldMasterIdLst>
   <p:sldIdLst>
     <p:sldId id="256" r:id="rId2"/>
-    <p:sldId id="257" r:id="rId3"/>
-    <p:sldId id="258" r:id="rId4"/>
-    <p:sldId id="259" r:id="rId5"/>
-    <p:sldId id="260" r:id="rId6"/>
-    <p:sldId id="261" r:id="rId7"/>
+    <p:sldId id="261" r:id="rId3"/>
+    <p:sldId id="262" r:id="rId4"/>
+    <p:sldId id="263" r:id="rId5"/>
+    <p:sldId id="257" r:id="rId6"/>
+    <p:sldId id="258" r:id="rId7"/>
+    <p:sldId id="259" r:id="rId8"/>
+    <p:sldId id="260" r:id="rId9"/>
   </p:sldIdLst>
   <p:sldSz cx="12192000" cy="6858000"/>
   <p:notesSz cx="6858000" cy="9144000"/>
@@ -109,6 +111,11 @@
       </a:defRPr>
     </a:lvl9pPr>
   </p:defaultTextStyle>
+  <p:extLst>
+    <p:ext uri="{EFAFB233-063F-42B5-8137-9DF3F51BA10A}">
+      <p15:sldGuideLst xmlns:p15="http://schemas.microsoft.com/office/powerpoint/2012/main"/>
+    </p:ext>
+  </p:extLst>
 </p:presentation>
 </file>
 
@@ -341,7 +348,7 @@
           <a:p>
             <a:fld id="{724BA7E2-AC3E-4841-AE2A-F8BE025DCFAB}" type="datetimeFigureOut">
               <a:rPr lang="en-US" smtClean="0"/>
-              <a:t>7/16/19</a:t>
+              <a:t>7/18/19</a:t>
             </a:fld>
             <a:endParaRPr lang="en-US"/>
           </a:p>
@@ -675,7 +682,7 @@
           <a:p>
             <a:fld id="{724BA7E2-AC3E-4841-AE2A-F8BE025DCFAB}" type="datetimeFigureOut">
               <a:rPr lang="en-US" smtClean="0"/>
-              <a:t>7/16/19</a:t>
+              <a:t>7/18/19</a:t>
             </a:fld>
             <a:endParaRPr lang="en-US"/>
           </a:p>
@@ -953,7 +960,7 @@
           <a:p>
             <a:fld id="{724BA7E2-AC3E-4841-AE2A-F8BE025DCFAB}" type="datetimeFigureOut">
               <a:rPr lang="en-US" smtClean="0"/>
-              <a:t>7/16/19</a:t>
+              <a:t>7/18/19</a:t>
             </a:fld>
             <a:endParaRPr lang="en-US"/>
           </a:p>
@@ -1521,7 +1528,7 @@
           <a:p>
             <a:fld id="{724BA7E2-AC3E-4841-AE2A-F8BE025DCFAB}" type="datetimeFigureOut">
               <a:rPr lang="en-US" smtClean="0"/>
-              <a:t>7/16/19</a:t>
+              <a:t>7/18/19</a:t>
             </a:fld>
             <a:endParaRPr lang="en-US"/>
           </a:p>
@@ -1799,7 +1806,7 @@
           <a:p>
             <a:fld id="{724BA7E2-AC3E-4841-AE2A-F8BE025DCFAB}" type="datetimeFigureOut">
               <a:rPr lang="en-US" smtClean="0"/>
-              <a:t>7/16/19</a:t>
+              <a:t>7/18/19</a:t>
             </a:fld>
             <a:endParaRPr lang="en-US"/>
           </a:p>
@@ -2361,7 +2368,7 @@
           <a:p>
             <a:fld id="{724BA7E2-AC3E-4841-AE2A-F8BE025DCFAB}" type="datetimeFigureOut">
               <a:rPr lang="en-US" smtClean="0"/>
-              <a:t>7/16/19</a:t>
+              <a:t>7/18/19</a:t>
             </a:fld>
             <a:endParaRPr lang="en-US"/>
           </a:p>
@@ -2688,7 +2695,7 @@
           <a:p>
             <a:fld id="{724BA7E2-AC3E-4841-AE2A-F8BE025DCFAB}" type="datetimeFigureOut">
               <a:rPr lang="en-US" smtClean="0"/>
-              <a:t>7/16/19</a:t>
+              <a:t>7/18/19</a:t>
             </a:fld>
             <a:endParaRPr lang="en-US"/>
           </a:p>
@@ -2893,7 +2900,7 @@
           <a:p>
             <a:fld id="{724BA7E2-AC3E-4841-AE2A-F8BE025DCFAB}" type="datetimeFigureOut">
               <a:rPr lang="en-US" smtClean="0"/>
-              <a:t>7/16/19</a:t>
+              <a:t>7/18/19</a:t>
             </a:fld>
             <a:endParaRPr lang="en-US"/>
           </a:p>
@@ -3103,7 +3110,7 @@
           <a:p>
             <a:fld id="{724BA7E2-AC3E-4841-AE2A-F8BE025DCFAB}" type="datetimeFigureOut">
               <a:rPr lang="en-US" smtClean="0"/>
-              <a:t>7/16/19</a:t>
+              <a:t>7/18/19</a:t>
             </a:fld>
             <a:endParaRPr lang="en-US"/>
           </a:p>
@@ -3303,7 +3310,7 @@
           <a:p>
             <a:fld id="{724BA7E2-AC3E-4841-AE2A-F8BE025DCFAB}" type="datetimeFigureOut">
               <a:rPr lang="en-US" smtClean="0"/>
-              <a:t>7/16/19</a:t>
+              <a:t>7/18/19</a:t>
             </a:fld>
             <a:endParaRPr lang="en-US"/>
           </a:p>
@@ -3579,7 +3586,7 @@
           <a:p>
             <a:fld id="{724BA7E2-AC3E-4841-AE2A-F8BE025DCFAB}" type="datetimeFigureOut">
               <a:rPr lang="en-US" smtClean="0"/>
-              <a:t>7/16/19</a:t>
+              <a:t>7/18/19</a:t>
             </a:fld>
             <a:endParaRPr lang="en-US"/>
           </a:p>
@@ -3845,7 +3852,7 @@
           <a:p>
             <a:fld id="{724BA7E2-AC3E-4841-AE2A-F8BE025DCFAB}" type="datetimeFigureOut">
               <a:rPr lang="en-US" smtClean="0"/>
-              <a:t>7/16/19</a:t>
+              <a:t>7/18/19</a:t>
             </a:fld>
             <a:endParaRPr lang="en-US"/>
           </a:p>
@@ -4224,7 +4231,7 @@
           <a:p>
             <a:fld id="{724BA7E2-AC3E-4841-AE2A-F8BE025DCFAB}" type="datetimeFigureOut">
               <a:rPr lang="en-US" smtClean="0"/>
-              <a:t>7/16/19</a:t>
+              <a:t>7/18/19</a:t>
             </a:fld>
             <a:endParaRPr lang="en-US"/>
           </a:p>
@@ -4377,7 +4384,7 @@
           <a:p>
             <a:fld id="{724BA7E2-AC3E-4841-AE2A-F8BE025DCFAB}" type="datetimeFigureOut">
               <a:rPr lang="en-US" smtClean="0"/>
-              <a:t>7/16/19</a:t>
+              <a:t>7/18/19</a:t>
             </a:fld>
             <a:endParaRPr lang="en-US"/>
           </a:p>
@@ -4502,7 +4509,7 @@
           <a:p>
             <a:fld id="{724BA7E2-AC3E-4841-AE2A-F8BE025DCFAB}" type="datetimeFigureOut">
               <a:rPr lang="en-US" smtClean="0"/>
-              <a:t>7/16/19</a:t>
+              <a:t>7/18/19</a:t>
             </a:fld>
             <a:endParaRPr lang="en-US"/>
           </a:p>
@@ -4787,7 +4794,7 @@
           <a:p>
             <a:fld id="{724BA7E2-AC3E-4841-AE2A-F8BE025DCFAB}" type="datetimeFigureOut">
               <a:rPr lang="en-US" smtClean="0"/>
-              <a:t>7/16/19</a:t>
+              <a:t>7/18/19</a:t>
             </a:fld>
             <a:endParaRPr lang="en-US"/>
           </a:p>
@@ -5116,7 +5123,7 @@
           <a:p>
             <a:fld id="{724BA7E2-AC3E-4841-AE2A-F8BE025DCFAB}" type="datetimeFigureOut">
               <a:rPr lang="en-US" smtClean="0"/>
-              <a:t>7/16/19</a:t>
+              <a:t>7/18/19</a:t>
             </a:fld>
             <a:endParaRPr lang="en-US"/>
           </a:p>
@@ -5330,7 +5337,7 @@
           <a:p>
             <a:fld id="{724BA7E2-AC3E-4841-AE2A-F8BE025DCFAB}" type="datetimeFigureOut">
               <a:rPr lang="en-US" smtClean="0"/>
-              <a:t>7/16/19</a:t>
+              <a:t>7/18/19</a:t>
             </a:fld>
             <a:endParaRPr lang="en-US"/>
           </a:p>
@@ -5950,10 +5957,10 @@
       </p:grpSpPr>
       <p:sp>
         <p:nvSpPr>
-          <p:cNvPr id="4" name="Title 3">
+          <p:cNvPr id="17" name="Title 16">
             <a:extLst>
               <a:ext uri="{FF2B5EF4-FFF2-40B4-BE49-F238E27FC236}">
-                <a16:creationId xmlns:a16="http://schemas.microsoft.com/office/drawing/2014/main" id="{A64BD7B4-6983-EF4C-B4F5-B947D4DF35AF}"/>
+                <a16:creationId xmlns:a16="http://schemas.microsoft.com/office/drawing/2014/main" id="{7BE22256-8CEE-A444-9597-C054328667EC}"/>
               </a:ext>
             </a:extLst>
           </p:cNvPr>
@@ -5966,30 +5973,30 @@
         </p:nvSpPr>
         <p:spPr>
           <a:xfrm>
-            <a:off x="111512" y="609600"/>
-            <a:ext cx="11954108" cy="1456267"/>
+            <a:off x="769242" y="609601"/>
+            <a:ext cx="9550399" cy="2743199"/>
           </a:xfrm>
         </p:spPr>
         <p:txBody>
           <a:bodyPr>
-            <a:noAutofit/>
+            <a:normAutofit/>
           </a:bodyPr>
           <a:lstStyle/>
           <a:p>
-            <a:pPr algn="ctr"/>
-            <a:r>
-              <a:rPr lang="en-US" sz="5400" dirty="0"/>
-              <a:t>Violent crime vs. graduation rates</a:t>
-            </a:r>
-          </a:p>
-        </p:txBody>
-      </p:sp>
-      <p:sp>
-        <p:nvSpPr>
-          <p:cNvPr id="5" name="Text Placeholder 4">
+            <a:pPr algn="r"/>
+            <a:r>
+              <a:rPr lang="en-US" sz="4000" dirty="0"/>
+              <a:t>When a man is denied the right to live the life he believes in, he has no choice but to become an outlaw.</a:t>
+            </a:r>
+          </a:p>
+        </p:txBody>
+      </p:sp>
+      <p:sp>
+        <p:nvSpPr>
+          <p:cNvPr id="19" name="Text Placeholder 18">
             <a:extLst>
               <a:ext uri="{FF2B5EF4-FFF2-40B4-BE49-F238E27FC236}">
-                <a16:creationId xmlns:a16="http://schemas.microsoft.com/office/drawing/2014/main" id="{81811B6A-4626-5943-A021-0502CBD9B0E2}"/>
+                <a16:creationId xmlns:a16="http://schemas.microsoft.com/office/drawing/2014/main" id="{6689B5D3-9F9A-924B-8D8E-1CD0463901D8}"/>
               </a:ext>
             </a:extLst>
           </p:cNvPr>
@@ -5997,33 +6004,29 @@
             <a:spLocks noGrp="1"/>
           </p:cNvSpPr>
           <p:nvPr>
-            <p:ph type="body" idx="1"/>
-          </p:nvPr>
-        </p:nvSpPr>
-        <p:spPr>
-          <a:xfrm>
-            <a:off x="685801" y="2226734"/>
-            <a:ext cx="4996922" cy="576262"/>
+            <p:ph type="body" sz="quarter" idx="13"/>
+          </p:nvPr>
+        </p:nvSpPr>
+        <p:spPr>
+          <a:xfrm>
+            <a:off x="-9607295" y="2717180"/>
+            <a:ext cx="9339184" cy="381000"/>
           </a:xfrm>
         </p:spPr>
         <p:txBody>
           <a:bodyPr/>
           <a:lstStyle/>
           <a:p>
-            <a:pPr algn="ctr"/>
-            <a:r>
-              <a:rPr lang="en-US" dirty="0"/>
-              <a:t>Violent Crime</a:t>
-            </a:r>
-          </a:p>
-        </p:txBody>
-      </p:sp>
-      <p:sp>
-        <p:nvSpPr>
-          <p:cNvPr id="6" name="Content Placeholder 5">
+            <a:endParaRPr lang="en-US" dirty="0"/>
+          </a:p>
+        </p:txBody>
+      </p:sp>
+      <p:sp>
+        <p:nvSpPr>
+          <p:cNvPr id="18" name="Text Placeholder 17">
             <a:extLst>
               <a:ext uri="{FF2B5EF4-FFF2-40B4-BE49-F238E27FC236}">
-                <a16:creationId xmlns:a16="http://schemas.microsoft.com/office/drawing/2014/main" id="{87886A81-5F1F-3846-915D-7A31937E2E49}"/>
+                <a16:creationId xmlns:a16="http://schemas.microsoft.com/office/drawing/2014/main" id="{189239F1-9199-AA4C-BE85-83D458AB0303}"/>
               </a:ext>
             </a:extLst>
           </p:cNvPr>
@@ -6031,81 +6034,28 @@
             <a:spLocks noGrp="1"/>
           </p:cNvSpPr>
           <p:nvPr>
-            <p:ph sz="half" idx="2"/>
+            <p:ph type="body" idx="1"/>
           </p:nvPr>
         </p:nvSpPr>
         <p:spPr/>
         <p:txBody>
-          <a:bodyPr/>
-          <a:lstStyle/>
-          <a:p>
-            <a:endParaRPr lang="en-US" dirty="0"/>
-          </a:p>
-        </p:txBody>
-      </p:sp>
-      <p:sp>
-        <p:nvSpPr>
-          <p:cNvPr id="7" name="Text Placeholder 6">
-            <a:extLst>
-              <a:ext uri="{FF2B5EF4-FFF2-40B4-BE49-F238E27FC236}">
-                <a16:creationId xmlns:a16="http://schemas.microsoft.com/office/drawing/2014/main" id="{99E06AB4-69C0-D045-9164-7556621997F6}"/>
-              </a:ext>
-            </a:extLst>
-          </p:cNvPr>
-          <p:cNvSpPr>
-            <a:spLocks noGrp="1"/>
-          </p:cNvSpPr>
-          <p:nvPr>
-            <p:ph type="body" sz="quarter" idx="3"/>
-          </p:nvPr>
-        </p:nvSpPr>
-        <p:spPr>
-          <a:xfrm>
-            <a:off x="5821895" y="2226734"/>
-            <a:ext cx="4996921" cy="576262"/>
-          </a:xfrm>
-        </p:spPr>
-        <p:txBody>
-          <a:bodyPr/>
-          <a:lstStyle/>
-          <a:p>
-            <a:pPr algn="ctr"/>
-            <a:r>
-              <a:rPr lang="en-US" dirty="0"/>
-              <a:t>Graduation Rates</a:t>
-            </a:r>
-          </a:p>
-        </p:txBody>
-      </p:sp>
-      <p:sp>
-        <p:nvSpPr>
-          <p:cNvPr id="8" name="Content Placeholder 7">
-            <a:extLst>
-              <a:ext uri="{FF2B5EF4-FFF2-40B4-BE49-F238E27FC236}">
-                <a16:creationId xmlns:a16="http://schemas.microsoft.com/office/drawing/2014/main" id="{52387307-8BFA-6B47-9D10-0FCE37B693EC}"/>
-              </a:ext>
-            </a:extLst>
-          </p:cNvPr>
-          <p:cNvSpPr>
-            <a:spLocks noGrp="1"/>
-          </p:cNvSpPr>
-          <p:nvPr>
-            <p:ph sz="quarter" idx="4"/>
-          </p:nvPr>
-        </p:nvSpPr>
-        <p:spPr/>
-        <p:txBody>
-          <a:bodyPr/>
-          <a:lstStyle/>
-          <a:p>
-            <a:endParaRPr lang="en-US" dirty="0"/>
+          <a:bodyPr>
+            <a:normAutofit/>
+          </a:bodyPr>
+          <a:lstStyle/>
+          <a:p>
+            <a:pPr algn="r"/>
+            <a:r>
+              <a:rPr lang="en-US" sz="4400" dirty="0"/>
+              <a:t>- Nelson Mandela</a:t>
+            </a:r>
           </a:p>
         </p:txBody>
       </p:sp>
     </p:spTree>
     <p:extLst>
       <p:ext uri="{BB962C8B-B14F-4D97-AF65-F5344CB8AC3E}">
-        <p14:creationId xmlns:p14="http://schemas.microsoft.com/office/powerpoint/2010/main" val="339572821"/>
+        <p14:creationId xmlns:p14="http://schemas.microsoft.com/office/powerpoint/2010/main" val="697592174"/>
       </p:ext>
     </p:extLst>
   </p:cSld>
@@ -6137,7 +6087,7 @@
           <p:cNvPr id="7" name="Title 6">
             <a:extLst>
               <a:ext uri="{FF2B5EF4-FFF2-40B4-BE49-F238E27FC236}">
-                <a16:creationId xmlns:a16="http://schemas.microsoft.com/office/drawing/2014/main" id="{2E486A7C-B574-B042-9558-E0ADE929AE84}"/>
+                <a16:creationId xmlns:a16="http://schemas.microsoft.com/office/drawing/2014/main" id="{D01F1AB1-4D76-4543-A8AC-2DC2CF563838}"/>
               </a:ext>
             </a:extLst>
           </p:cNvPr>
@@ -6151,24 +6101,23 @@
         <p:spPr/>
         <p:txBody>
           <a:bodyPr>
-            <a:normAutofit/>
+            <a:noAutofit/>
           </a:bodyPr>
           <a:lstStyle/>
           <a:p>
-            <a:pPr algn="ctr"/>
-            <a:r>
-              <a:rPr lang="en-US" sz="5700" dirty="0"/>
-              <a:t>Violent crime vs. income</a:t>
-            </a:r>
-          </a:p>
-        </p:txBody>
-      </p:sp>
-      <p:sp>
-        <p:nvSpPr>
-          <p:cNvPr id="8" name="Text Placeholder 7">
+            <a:r>
+              <a:rPr lang="en-US" sz="4800" dirty="0"/>
+              <a:t>information used for comparison</a:t>
+            </a:r>
+          </a:p>
+        </p:txBody>
+      </p:sp>
+      <p:sp>
+        <p:nvSpPr>
+          <p:cNvPr id="8" name="Content Placeholder 7">
             <a:extLst>
               <a:ext uri="{FF2B5EF4-FFF2-40B4-BE49-F238E27FC236}">
-                <a16:creationId xmlns:a16="http://schemas.microsoft.com/office/drawing/2014/main" id="{85D8EF65-A711-5E46-B796-6E848113B855}"/>
+                <a16:creationId xmlns:a16="http://schemas.microsoft.com/office/drawing/2014/main" id="{5D493F5D-6FE1-7D4E-9D10-7C631B655F64}"/>
               </a:ext>
             </a:extLst>
           </p:cNvPr>
@@ -6176,115 +6125,53 @@
             <a:spLocks noGrp="1"/>
           </p:cNvSpPr>
           <p:nvPr>
-            <p:ph type="body" idx="1"/>
-          </p:nvPr>
-        </p:nvSpPr>
-        <p:spPr>
-          <a:xfrm>
-            <a:off x="685801" y="2218267"/>
-            <a:ext cx="4996923" cy="576262"/>
-          </a:xfrm>
-        </p:spPr>
-        <p:txBody>
-          <a:bodyPr/>
-          <a:lstStyle/>
-          <a:p>
-            <a:pPr algn="ctr"/>
-            <a:r>
-              <a:rPr lang="en-US" dirty="0"/>
+            <p:ph idx="1"/>
+          </p:nvPr>
+        </p:nvSpPr>
+        <p:spPr/>
+        <p:txBody>
+          <a:bodyPr>
+            <a:normAutofit/>
+          </a:bodyPr>
+          <a:lstStyle/>
+          <a:p>
+            <a:r>
+              <a:rPr lang="en-US" sz="3600" dirty="0">
+                <a:latin typeface="+mj-lt"/>
+              </a:rPr>
               <a:t>Violent Crime</a:t>
             </a:r>
           </a:p>
-        </p:txBody>
-      </p:sp>
-      <p:sp>
-        <p:nvSpPr>
-          <p:cNvPr id="9" name="Content Placeholder 8">
-            <a:extLst>
-              <a:ext uri="{FF2B5EF4-FFF2-40B4-BE49-F238E27FC236}">
-                <a16:creationId xmlns:a16="http://schemas.microsoft.com/office/drawing/2014/main" id="{F1963B36-1D1A-6D42-B47F-DA7210B39DC0}"/>
-              </a:ext>
-            </a:extLst>
-          </p:cNvPr>
-          <p:cNvSpPr>
-            <a:spLocks noGrp="1"/>
-          </p:cNvSpPr>
-          <p:nvPr>
-            <p:ph sz="half" idx="2"/>
-          </p:nvPr>
-        </p:nvSpPr>
-        <p:spPr/>
-        <p:txBody>
-          <a:bodyPr/>
-          <a:lstStyle/>
-          <a:p>
-            <a:endParaRPr lang="en-US"/>
-          </a:p>
-        </p:txBody>
-      </p:sp>
-      <p:sp>
-        <p:nvSpPr>
-          <p:cNvPr id="10" name="Text Placeholder 9">
-            <a:extLst>
-              <a:ext uri="{FF2B5EF4-FFF2-40B4-BE49-F238E27FC236}">
-                <a16:creationId xmlns:a16="http://schemas.microsoft.com/office/drawing/2014/main" id="{5B608162-3589-0443-8F9E-25DD4E6A5BC8}"/>
-              </a:ext>
-            </a:extLst>
-          </p:cNvPr>
-          <p:cNvSpPr>
-            <a:spLocks noGrp="1"/>
-          </p:cNvSpPr>
-          <p:nvPr>
-            <p:ph type="body" sz="quarter" idx="3"/>
-          </p:nvPr>
-        </p:nvSpPr>
-        <p:spPr>
-          <a:xfrm>
-            <a:off x="5821895" y="2226734"/>
-            <a:ext cx="4996922" cy="576262"/>
-          </a:xfrm>
-        </p:spPr>
-        <p:txBody>
-          <a:bodyPr/>
-          <a:lstStyle/>
-          <a:p>
-            <a:pPr algn="ctr"/>
-            <a:r>
-              <a:rPr lang="en-US" dirty="0"/>
-              <a:t>Income</a:t>
-            </a:r>
-          </a:p>
-        </p:txBody>
-      </p:sp>
-      <p:sp>
-        <p:nvSpPr>
-          <p:cNvPr id="11" name="Content Placeholder 10">
-            <a:extLst>
-              <a:ext uri="{FF2B5EF4-FFF2-40B4-BE49-F238E27FC236}">
-                <a16:creationId xmlns:a16="http://schemas.microsoft.com/office/drawing/2014/main" id="{B47BE2A0-3D83-1A4F-B46F-BF65766DD5E7}"/>
-              </a:ext>
-            </a:extLst>
-          </p:cNvPr>
-          <p:cNvSpPr>
-            <a:spLocks noGrp="1"/>
-          </p:cNvSpPr>
-          <p:nvPr>
-            <p:ph sz="quarter" idx="4"/>
-          </p:nvPr>
-        </p:nvSpPr>
-        <p:spPr/>
-        <p:txBody>
-          <a:bodyPr/>
-          <a:lstStyle/>
-          <a:p>
-            <a:endParaRPr lang="en-US"/>
+          <a:p>
+            <a:r>
+              <a:rPr lang="en-US" sz="3600" dirty="0">
+                <a:latin typeface="+mj-lt"/>
+              </a:rPr>
+              <a:t>Graduation Rates</a:t>
+            </a:r>
+          </a:p>
+          <a:p>
+            <a:r>
+              <a:rPr lang="en-US" sz="3600" dirty="0">
+                <a:latin typeface="+mj-lt"/>
+              </a:rPr>
+              <a:t>Poverty Rates</a:t>
+            </a:r>
+          </a:p>
+          <a:p>
+            <a:r>
+              <a:rPr lang="en-US" sz="3600" dirty="0">
+                <a:latin typeface="+mj-lt"/>
+              </a:rPr>
+              <a:t>Income </a:t>
+            </a:r>
           </a:p>
         </p:txBody>
       </p:sp>
     </p:spTree>
     <p:extLst>
       <p:ext uri="{BB962C8B-B14F-4D97-AF65-F5344CB8AC3E}">
-        <p14:creationId xmlns:p14="http://schemas.microsoft.com/office/powerpoint/2010/main" val="1434132859"/>
+        <p14:creationId xmlns:p14="http://schemas.microsoft.com/office/powerpoint/2010/main" val="3138120972"/>
       </p:ext>
     </p:extLst>
   </p:cSld>
@@ -6313,10 +6200,10 @@
       </p:grpSpPr>
       <p:sp>
         <p:nvSpPr>
-          <p:cNvPr id="7" name="Title 6">
+          <p:cNvPr id="2" name="Title 1">
             <a:extLst>
               <a:ext uri="{FF2B5EF4-FFF2-40B4-BE49-F238E27FC236}">
-                <a16:creationId xmlns:a16="http://schemas.microsoft.com/office/drawing/2014/main" id="{BAB64E99-7914-7B43-A072-BB76A48C595C}"/>
+                <a16:creationId xmlns:a16="http://schemas.microsoft.com/office/drawing/2014/main" id="{A25D0FDB-4C25-8747-8A87-90822F258E4F}"/>
               </a:ext>
             </a:extLst>
           </p:cNvPr>
@@ -6336,18 +6223,18 @@
           <a:p>
             <a:pPr algn="ctr"/>
             <a:r>
-              <a:rPr lang="en-US" sz="5400" dirty="0"/>
-              <a:t>Violent crime vs. poverty rate</a:t>
-            </a:r>
-          </a:p>
-        </p:txBody>
-      </p:sp>
-      <p:sp>
-        <p:nvSpPr>
-          <p:cNvPr id="8" name="Text Placeholder 7">
+              <a:rPr lang="en-US" sz="4800" dirty="0"/>
+              <a:t>Locations used for comparison</a:t>
+            </a:r>
+          </a:p>
+        </p:txBody>
+      </p:sp>
+      <p:sp>
+        <p:nvSpPr>
+          <p:cNvPr id="3" name="Content Placeholder 2">
             <a:extLst>
               <a:ext uri="{FF2B5EF4-FFF2-40B4-BE49-F238E27FC236}">
-                <a16:creationId xmlns:a16="http://schemas.microsoft.com/office/drawing/2014/main" id="{57659551-F6F2-394F-8562-4235BFA49B8E}"/>
+                <a16:creationId xmlns:a16="http://schemas.microsoft.com/office/drawing/2014/main" id="{7C773332-91BB-FA48-8B40-A79CD6180A2A}"/>
               </a:ext>
             </a:extLst>
           </p:cNvPr>
@@ -6355,115 +6242,57 @@
             <a:spLocks noGrp="1"/>
           </p:cNvSpPr>
           <p:nvPr>
-            <p:ph type="body" idx="1"/>
-          </p:nvPr>
-        </p:nvSpPr>
-        <p:spPr>
-          <a:xfrm>
-            <a:off x="685801" y="2218267"/>
-            <a:ext cx="4996923" cy="576262"/>
-          </a:xfrm>
-        </p:spPr>
-        <p:txBody>
-          <a:bodyPr/>
-          <a:lstStyle/>
-          <a:p>
-            <a:pPr algn="ctr"/>
-            <a:r>
-              <a:rPr lang="en-US" dirty="0"/>
-              <a:t>Violent Crime</a:t>
-            </a:r>
-          </a:p>
-        </p:txBody>
-      </p:sp>
-      <p:sp>
-        <p:nvSpPr>
-          <p:cNvPr id="9" name="Content Placeholder 8">
-            <a:extLst>
-              <a:ext uri="{FF2B5EF4-FFF2-40B4-BE49-F238E27FC236}">
-                <a16:creationId xmlns:a16="http://schemas.microsoft.com/office/drawing/2014/main" id="{E6AA41B9-8F35-4040-A5B4-5B8662729E24}"/>
-              </a:ext>
-            </a:extLst>
-          </p:cNvPr>
-          <p:cNvSpPr>
-            <a:spLocks noGrp="1"/>
-          </p:cNvSpPr>
-          <p:nvPr>
-            <p:ph sz="half" idx="2"/>
+            <p:ph idx="1"/>
           </p:nvPr>
         </p:nvSpPr>
         <p:spPr/>
         <p:txBody>
-          <a:bodyPr/>
-          <a:lstStyle/>
-          <a:p>
-            <a:endParaRPr lang="en-US"/>
-          </a:p>
-        </p:txBody>
-      </p:sp>
-      <p:sp>
-        <p:nvSpPr>
-          <p:cNvPr id="10" name="Text Placeholder 9">
-            <a:extLst>
-              <a:ext uri="{FF2B5EF4-FFF2-40B4-BE49-F238E27FC236}">
-                <a16:creationId xmlns:a16="http://schemas.microsoft.com/office/drawing/2014/main" id="{B8D49F98-4661-3B4E-99A4-A6391DCDE49F}"/>
-              </a:ext>
-            </a:extLst>
-          </p:cNvPr>
-          <p:cNvSpPr>
-            <a:spLocks noGrp="1"/>
-          </p:cNvSpPr>
-          <p:nvPr>
-            <p:ph type="body" sz="quarter" idx="3"/>
-          </p:nvPr>
-        </p:nvSpPr>
-        <p:spPr>
-          <a:xfrm>
-            <a:off x="5821895" y="2226734"/>
-            <a:ext cx="4996922" cy="576262"/>
-          </a:xfrm>
-        </p:spPr>
-        <p:txBody>
-          <a:bodyPr/>
-          <a:lstStyle/>
-          <a:p>
-            <a:pPr algn="ctr"/>
-            <a:r>
-              <a:rPr lang="en-US" dirty="0"/>
-              <a:t>Poverty Rate</a:t>
-            </a:r>
-          </a:p>
-        </p:txBody>
-      </p:sp>
-      <p:sp>
-        <p:nvSpPr>
-          <p:cNvPr id="11" name="Content Placeholder 10">
-            <a:extLst>
-              <a:ext uri="{FF2B5EF4-FFF2-40B4-BE49-F238E27FC236}">
-                <a16:creationId xmlns:a16="http://schemas.microsoft.com/office/drawing/2014/main" id="{15F6421C-9106-5C47-BF7A-CE0A6343D7BA}"/>
-              </a:ext>
-            </a:extLst>
-          </p:cNvPr>
-          <p:cNvSpPr>
-            <a:spLocks noGrp="1"/>
-          </p:cNvSpPr>
-          <p:nvPr>
-            <p:ph sz="quarter" idx="4"/>
-          </p:nvPr>
-        </p:nvSpPr>
-        <p:spPr/>
-        <p:txBody>
-          <a:bodyPr/>
-          <a:lstStyle/>
-          <a:p>
-            <a:endParaRPr lang="en-US"/>
+          <a:bodyPr>
+            <a:normAutofit/>
+          </a:bodyPr>
+          <a:lstStyle/>
+          <a:p>
+            <a:r>
+              <a:rPr lang="en-US" sz="2400" dirty="0"/>
+              <a:t>Chicago</a:t>
+            </a:r>
+          </a:p>
+          <a:p>
+            <a:r>
+              <a:rPr lang="en-US" sz="2400" dirty="0"/>
+              <a:t>Los Angeles</a:t>
+            </a:r>
+          </a:p>
+          <a:p>
+            <a:r>
+              <a:rPr lang="en-US" sz="2400" dirty="0"/>
+              <a:t>New York</a:t>
+            </a:r>
+          </a:p>
+          <a:p>
+            <a:r>
+              <a:rPr lang="en-US" sz="2400" dirty="0"/>
+              <a:t>Tampa </a:t>
+            </a:r>
+          </a:p>
+          <a:p>
+            <a:r>
+              <a:rPr lang="en-US" sz="2400" dirty="0"/>
+              <a:t>Washington, DC</a:t>
+            </a:r>
+          </a:p>
+          <a:p>
+            <a:r>
+              <a:rPr lang="en-US" sz="2400" dirty="0"/>
+              <a:t>United States used for comparison data</a:t>
+            </a:r>
           </a:p>
         </p:txBody>
       </p:sp>
     </p:spTree>
     <p:extLst>
       <p:ext uri="{BB962C8B-B14F-4D97-AF65-F5344CB8AC3E}">
-        <p14:creationId xmlns:p14="http://schemas.microsoft.com/office/powerpoint/2010/main" val="1760039113"/>
+        <p14:creationId xmlns:p14="http://schemas.microsoft.com/office/powerpoint/2010/main" val="2597301628"/>
       </p:ext>
     </p:extLst>
   </p:cSld>
@@ -6492,10 +6321,10 @@
       </p:grpSpPr>
       <p:sp>
         <p:nvSpPr>
-          <p:cNvPr id="2" name="Title 1">
+          <p:cNvPr id="4" name="Title 3">
             <a:extLst>
               <a:ext uri="{FF2B5EF4-FFF2-40B4-BE49-F238E27FC236}">
-                <a16:creationId xmlns:a16="http://schemas.microsoft.com/office/drawing/2014/main" id="{08B24A45-2AA5-2E43-98C4-7BCAC4708C25}"/>
+                <a16:creationId xmlns:a16="http://schemas.microsoft.com/office/drawing/2014/main" id="{A64BD7B4-6983-EF4C-B4F5-B947D4DF35AF}"/>
               </a:ext>
             </a:extLst>
           </p:cNvPr>
@@ -6506,7 +6335,12 @@
             <p:ph type="title"/>
           </p:nvPr>
         </p:nvSpPr>
-        <p:spPr/>
+        <p:spPr>
+          <a:xfrm>
+            <a:off x="111512" y="609600"/>
+            <a:ext cx="11954108" cy="1456267"/>
+          </a:xfrm>
+        </p:spPr>
         <p:txBody>
           <a:bodyPr>
             <a:noAutofit/>
@@ -6515,18 +6349,18 @@
           <a:p>
             <a:pPr algn="ctr"/>
             <a:r>
-              <a:rPr lang="en-US" sz="5700" dirty="0"/>
-              <a:t>Graduation rates vs. income</a:t>
-            </a:r>
-          </a:p>
-        </p:txBody>
-      </p:sp>
-      <p:sp>
-        <p:nvSpPr>
-          <p:cNvPr id="3" name="Text Placeholder 2">
+              <a:rPr lang="en-US" sz="5400" dirty="0"/>
+              <a:t>Violent crime vs. graduation rates</a:t>
+            </a:r>
+          </a:p>
+        </p:txBody>
+      </p:sp>
+      <p:sp>
+        <p:nvSpPr>
+          <p:cNvPr id="5" name="Text Placeholder 4">
             <a:extLst>
               <a:ext uri="{FF2B5EF4-FFF2-40B4-BE49-F238E27FC236}">
-                <a16:creationId xmlns:a16="http://schemas.microsoft.com/office/drawing/2014/main" id="{B8ADA3EA-D40A-9F4A-A0F4-85A4D6BDE5F4}"/>
+                <a16:creationId xmlns:a16="http://schemas.microsoft.com/office/drawing/2014/main" id="{81811B6A-4626-5943-A021-0502CBD9B0E2}"/>
               </a:ext>
             </a:extLst>
           </p:cNvPr>
@@ -6539,8 +6373,8 @@
         </p:nvSpPr>
         <p:spPr>
           <a:xfrm>
-            <a:off x="685801" y="2218267"/>
-            <a:ext cx="4996923" cy="576262"/>
+            <a:off x="685801" y="2226734"/>
+            <a:ext cx="4996922" cy="576262"/>
           </a:xfrm>
         </p:spPr>
         <p:txBody>
@@ -6550,42 +6384,46 @@
             <a:pPr algn="ctr"/>
             <a:r>
               <a:rPr lang="en-US" dirty="0"/>
-              <a:t>Graduation Rates</a:t>
-            </a:r>
-          </a:p>
-        </p:txBody>
-      </p:sp>
-      <p:sp>
-        <p:nvSpPr>
-          <p:cNvPr id="4" name="Content Placeholder 3">
+              <a:t>Bar Graph</a:t>
+            </a:r>
+          </a:p>
+        </p:txBody>
+      </p:sp>
+      <p:pic>
+        <p:nvPicPr>
+          <p:cNvPr id="3" name="Content Placeholder 2">
             <a:extLst>
               <a:ext uri="{FF2B5EF4-FFF2-40B4-BE49-F238E27FC236}">
-                <a16:creationId xmlns:a16="http://schemas.microsoft.com/office/drawing/2014/main" id="{097780F7-226D-B84A-B8D4-31E1DAACB5CA}"/>
+                <a16:creationId xmlns:a16="http://schemas.microsoft.com/office/drawing/2014/main" id="{77617161-7059-F548-BEFC-BEBC2203DE97}"/>
               </a:ext>
             </a:extLst>
           </p:cNvPr>
-          <p:cNvSpPr>
-            <a:spLocks noGrp="1"/>
-          </p:cNvSpPr>
+          <p:cNvPicPr>
+            <a:picLocks noGrp="1" noChangeAspect="1"/>
+          </p:cNvPicPr>
           <p:nvPr>
             <p:ph sz="half" idx="2"/>
           </p:nvPr>
-        </p:nvSpPr>
-        <p:spPr/>
-        <p:txBody>
-          <a:bodyPr/>
-          <a:lstStyle/>
-          <a:p>
-            <a:endParaRPr lang="en-US" dirty="0"/>
-          </a:p>
-        </p:txBody>
-      </p:sp>
-      <p:sp>
-        <p:nvSpPr>
-          <p:cNvPr id="5" name="Text Placeholder 4">
+        </p:nvPicPr>
+        <p:blipFill>
+          <a:blip r:embed="rId2"/>
+          <a:stretch>
+            <a:fillRect/>
+          </a:stretch>
+        </p:blipFill>
+        <p:spPr>
+          <a:xfrm>
+            <a:off x="6129604" y="2870199"/>
+            <a:ext cx="4689211" cy="2921000"/>
+          </a:xfrm>
+        </p:spPr>
+      </p:pic>
+      <p:sp>
+        <p:nvSpPr>
+          <p:cNvPr id="7" name="Text Placeholder 6">
             <a:extLst>
               <a:ext uri="{FF2B5EF4-FFF2-40B4-BE49-F238E27FC236}">
-                <a16:creationId xmlns:a16="http://schemas.microsoft.com/office/drawing/2014/main" id="{214120AB-0E31-7043-9837-3CF5655AA99D}"/>
+                <a16:creationId xmlns:a16="http://schemas.microsoft.com/office/drawing/2014/main" id="{99E06AB4-69C0-D045-9164-7556621997F6}"/>
               </a:ext>
             </a:extLst>
           </p:cNvPr>
@@ -6598,8 +6436,8 @@
         </p:nvSpPr>
         <p:spPr>
           <a:xfrm>
-            <a:off x="5821895" y="2226734"/>
-            <a:ext cx="4996922" cy="576262"/>
+            <a:off x="5975748" y="2226734"/>
+            <a:ext cx="4996921" cy="576262"/>
           </a:xfrm>
         </p:spPr>
         <p:txBody>
@@ -6609,40 +6447,44 @@
             <a:pPr algn="ctr"/>
             <a:r>
               <a:rPr lang="en-US" dirty="0"/>
-              <a:t>Income</a:t>
-            </a:r>
-          </a:p>
-        </p:txBody>
-      </p:sp>
-      <p:sp>
-        <p:nvSpPr>
-          <p:cNvPr id="6" name="Content Placeholder 5">
+              <a:t>Scatter Plot</a:t>
+            </a:r>
+          </a:p>
+        </p:txBody>
+      </p:sp>
+      <p:pic>
+        <p:nvPicPr>
+          <p:cNvPr id="10" name="Content Placeholder 9">
             <a:extLst>
               <a:ext uri="{FF2B5EF4-FFF2-40B4-BE49-F238E27FC236}">
-                <a16:creationId xmlns:a16="http://schemas.microsoft.com/office/drawing/2014/main" id="{F545F001-6ED5-DC4B-BD9D-4E09091BD109}"/>
+                <a16:creationId xmlns:a16="http://schemas.microsoft.com/office/drawing/2014/main" id="{77BADF47-899B-F743-847B-484F21B0176F}"/>
               </a:ext>
             </a:extLst>
           </p:cNvPr>
-          <p:cNvSpPr>
-            <a:spLocks noGrp="1"/>
-          </p:cNvSpPr>
+          <p:cNvPicPr>
+            <a:picLocks noGrp="1" noChangeAspect="1"/>
+          </p:cNvPicPr>
           <p:nvPr>
             <p:ph sz="quarter" idx="4"/>
           </p:nvPr>
-        </p:nvSpPr>
-        <p:spPr/>
-        <p:txBody>
-          <a:bodyPr/>
-          <a:lstStyle/>
-          <a:p>
-            <a:endParaRPr lang="en-US" dirty="0"/>
-          </a:p>
-        </p:txBody>
-      </p:sp>
+        </p:nvPicPr>
+        <p:blipFill>
+          <a:blip r:embed="rId3"/>
+          <a:stretch>
+            <a:fillRect/>
+          </a:stretch>
+        </p:blipFill>
+        <p:spPr>
+          <a:xfrm>
+            <a:off x="992981" y="2870200"/>
+            <a:ext cx="4381500" cy="2921000"/>
+          </a:xfrm>
+        </p:spPr>
+      </p:pic>
     </p:spTree>
     <p:extLst>
       <p:ext uri="{BB962C8B-B14F-4D97-AF65-F5344CB8AC3E}">
-        <p14:creationId xmlns:p14="http://schemas.microsoft.com/office/powerpoint/2010/main" val="4056576814"/>
+        <p14:creationId xmlns:p14="http://schemas.microsoft.com/office/powerpoint/2010/main" val="339572821"/>
       </p:ext>
     </p:extLst>
   </p:cSld>
@@ -6671,10 +6513,10 @@
       </p:grpSpPr>
       <p:sp>
         <p:nvSpPr>
-          <p:cNvPr id="17" name="Title 16">
+          <p:cNvPr id="7" name="Title 6">
             <a:extLst>
               <a:ext uri="{FF2B5EF4-FFF2-40B4-BE49-F238E27FC236}">
-                <a16:creationId xmlns:a16="http://schemas.microsoft.com/office/drawing/2014/main" id="{7BE22256-8CEE-A444-9597-C054328667EC}"/>
+                <a16:creationId xmlns:a16="http://schemas.microsoft.com/office/drawing/2014/main" id="{2E486A7C-B574-B042-9558-E0ADE929AE84}"/>
               </a:ext>
             </a:extLst>
           </p:cNvPr>
@@ -6685,32 +6527,27 @@
             <p:ph type="title"/>
           </p:nvPr>
         </p:nvSpPr>
-        <p:spPr>
-          <a:xfrm>
-            <a:off x="769242" y="609601"/>
-            <a:ext cx="9550399" cy="2743199"/>
-          </a:xfrm>
-        </p:spPr>
+        <p:spPr/>
         <p:txBody>
           <a:bodyPr>
             <a:normAutofit/>
           </a:bodyPr>
           <a:lstStyle/>
           <a:p>
-            <a:pPr algn="r"/>
-            <a:r>
-              <a:rPr lang="en-US" sz="4000" dirty="0"/>
-              <a:t>When a man is denied the right to live the life he believes in, he has no choice but to become an outlaw.</a:t>
-            </a:r>
-          </a:p>
-        </p:txBody>
-      </p:sp>
-      <p:sp>
-        <p:nvSpPr>
-          <p:cNvPr id="19" name="Text Placeholder 18">
+            <a:pPr algn="ctr"/>
+            <a:r>
+              <a:rPr lang="en-US" sz="5700" dirty="0"/>
+              <a:t>Violent crime vs. income</a:t>
+            </a:r>
+          </a:p>
+        </p:txBody>
+      </p:sp>
+      <p:sp>
+        <p:nvSpPr>
+          <p:cNvPr id="8" name="Text Placeholder 7">
             <a:extLst>
               <a:ext uri="{FF2B5EF4-FFF2-40B4-BE49-F238E27FC236}">
-                <a16:creationId xmlns:a16="http://schemas.microsoft.com/office/drawing/2014/main" id="{6689B5D3-9F9A-924B-8D8E-1CD0463901D8}"/>
+                <a16:creationId xmlns:a16="http://schemas.microsoft.com/office/drawing/2014/main" id="{85D8EF65-A711-5E46-B796-6E848113B855}"/>
               </a:ext>
             </a:extLst>
           </p:cNvPr>
@@ -6718,32 +6555,163 @@
             <a:spLocks noGrp="1"/>
           </p:cNvSpPr>
           <p:nvPr>
-            <p:ph type="body" sz="quarter" idx="13"/>
-          </p:nvPr>
-        </p:nvSpPr>
-        <p:spPr/>
+            <p:ph type="body" idx="1"/>
+          </p:nvPr>
+        </p:nvSpPr>
+        <p:spPr>
+          <a:xfrm>
+            <a:off x="685801" y="2218267"/>
+            <a:ext cx="4996923" cy="576262"/>
+          </a:xfrm>
+        </p:spPr>
         <p:txBody>
           <a:bodyPr/>
           <a:lstStyle/>
           <a:p>
-            <a:endParaRPr lang="en-US" dirty="0"/>
-          </a:p>
-        </p:txBody>
-      </p:sp>
-      <p:sp>
-        <p:nvSpPr>
-          <p:cNvPr id="18" name="Text Placeholder 17">
+            <a:pPr algn="ctr"/>
+            <a:r>
+              <a:rPr lang="en-US" dirty="0"/>
+              <a:t>Bar Graph</a:t>
+            </a:r>
+          </a:p>
+        </p:txBody>
+      </p:sp>
+      <p:pic>
+        <p:nvPicPr>
+          <p:cNvPr id="3" name="Content Placeholder 2">
             <a:extLst>
               <a:ext uri="{FF2B5EF4-FFF2-40B4-BE49-F238E27FC236}">
-                <a16:creationId xmlns:a16="http://schemas.microsoft.com/office/drawing/2014/main" id="{189239F1-9199-AA4C-BE85-83D458AB0303}"/>
+                <a16:creationId xmlns:a16="http://schemas.microsoft.com/office/drawing/2014/main" id="{6DBA125F-E696-244F-A7B8-698DD68A65E7}"/>
               </a:ext>
             </a:extLst>
           </p:cNvPr>
-          <p:cNvSpPr>
-            <a:spLocks noGrp="1"/>
-          </p:cNvSpPr>
-          <p:nvPr>
-            <p:ph type="body" idx="1"/>
+          <p:cNvPicPr>
+            <a:picLocks noGrp="1" noChangeAspect="1"/>
+          </p:cNvPicPr>
+          <p:nvPr>
+            <p:ph sz="half" idx="2"/>
+          </p:nvPr>
+        </p:nvPicPr>
+        <p:blipFill>
+          <a:blip r:embed="rId2"/>
+          <a:stretch>
+            <a:fillRect/>
+          </a:stretch>
+        </p:blipFill>
+        <p:spPr>
+          <a:xfrm>
+            <a:off x="993775" y="2870200"/>
+            <a:ext cx="4381500" cy="2921000"/>
+          </a:xfrm>
+        </p:spPr>
+      </p:pic>
+      <p:sp>
+        <p:nvSpPr>
+          <p:cNvPr id="10" name="Text Placeholder 9">
+            <a:extLst>
+              <a:ext uri="{FF2B5EF4-FFF2-40B4-BE49-F238E27FC236}">
+                <a16:creationId xmlns:a16="http://schemas.microsoft.com/office/drawing/2014/main" id="{5B608162-3589-0443-8F9E-25DD4E6A5BC8}"/>
+              </a:ext>
+            </a:extLst>
+          </p:cNvPr>
+          <p:cNvSpPr>
+            <a:spLocks noGrp="1"/>
+          </p:cNvSpPr>
+          <p:nvPr>
+            <p:ph type="body" sz="quarter" idx="3"/>
+          </p:nvPr>
+        </p:nvSpPr>
+        <p:spPr>
+          <a:xfrm>
+            <a:off x="5821895" y="2226734"/>
+            <a:ext cx="4996922" cy="576262"/>
+          </a:xfrm>
+        </p:spPr>
+        <p:txBody>
+          <a:bodyPr/>
+          <a:lstStyle/>
+          <a:p>
+            <a:pPr algn="ctr"/>
+            <a:r>
+              <a:rPr lang="en-US" dirty="0"/>
+              <a:t>Scatter Plot</a:t>
+            </a:r>
+          </a:p>
+        </p:txBody>
+      </p:sp>
+      <p:pic>
+        <p:nvPicPr>
+          <p:cNvPr id="5" name="Content Placeholder 4">
+            <a:extLst>
+              <a:ext uri="{FF2B5EF4-FFF2-40B4-BE49-F238E27FC236}">
+                <a16:creationId xmlns:a16="http://schemas.microsoft.com/office/drawing/2014/main" id="{E554EF8E-BDFA-454D-AF68-4EBB3332C83C}"/>
+              </a:ext>
+            </a:extLst>
+          </p:cNvPr>
+          <p:cNvPicPr>
+            <a:picLocks noGrp="1" noChangeAspect="1"/>
+          </p:cNvPicPr>
+          <p:nvPr>
+            <p:ph sz="quarter" idx="4"/>
+          </p:nvPr>
+        </p:nvPicPr>
+        <p:blipFill>
+          <a:blip r:embed="rId3"/>
+          <a:stretch>
+            <a:fillRect/>
+          </a:stretch>
+        </p:blipFill>
+        <p:spPr>
+          <a:xfrm>
+            <a:off x="6130131" y="2870200"/>
+            <a:ext cx="4381500" cy="2921000"/>
+          </a:xfrm>
+        </p:spPr>
+      </p:pic>
+    </p:spTree>
+    <p:extLst>
+      <p:ext uri="{BB962C8B-B14F-4D97-AF65-F5344CB8AC3E}">
+        <p14:creationId xmlns:p14="http://schemas.microsoft.com/office/powerpoint/2010/main" val="1434132859"/>
+      </p:ext>
+    </p:extLst>
+  </p:cSld>
+  <p:clrMapOvr>
+    <a:masterClrMapping/>
+  </p:clrMapOvr>
+</p:sld>
+</file>
+
+<file path=ppt/slides/slide7.xml><?xml version="1.0" encoding="utf-8"?>
+<p:sld xmlns:a="http://schemas.openxmlformats.org/drawingml/2006/main" xmlns:r="http://schemas.openxmlformats.org/officeDocument/2006/relationships" xmlns:p="http://schemas.openxmlformats.org/presentationml/2006/main">
+  <p:cSld>
+    <p:spTree>
+      <p:nvGrpSpPr>
+        <p:cNvPr id="1" name=""/>
+        <p:cNvGrpSpPr/>
+        <p:nvPr/>
+      </p:nvGrpSpPr>
+      <p:grpSpPr>
+        <a:xfrm>
+          <a:off x="0" y="0"/>
+          <a:ext cx="0" cy="0"/>
+          <a:chOff x="0" y="0"/>
+          <a:chExt cx="0" cy="0"/>
+        </a:xfrm>
+      </p:grpSpPr>
+      <p:sp>
+        <p:nvSpPr>
+          <p:cNvPr id="7" name="Title 6">
+            <a:extLst>
+              <a:ext uri="{FF2B5EF4-FFF2-40B4-BE49-F238E27FC236}">
+                <a16:creationId xmlns:a16="http://schemas.microsoft.com/office/drawing/2014/main" id="{BAB64E99-7914-7B43-A072-BB76A48C595C}"/>
+              </a:ext>
+            </a:extLst>
+          </p:cNvPr>
+          <p:cNvSpPr>
+            <a:spLocks noGrp="1"/>
+          </p:cNvSpPr>
+          <p:nvPr>
+            <p:ph type="title"/>
           </p:nvPr>
         </p:nvSpPr>
         <p:spPr/>
@@ -6753,18 +6721,323 @@
           </a:bodyPr>
           <a:lstStyle/>
           <a:p>
-            <a:pPr algn="r"/>
-            <a:r>
-              <a:rPr lang="en-US" sz="4400" dirty="0"/>
-              <a:t>- Nelson Mandela</a:t>
-            </a:r>
-          </a:p>
-        </p:txBody>
-      </p:sp>
+            <a:pPr algn="ctr"/>
+            <a:r>
+              <a:rPr lang="en-US" sz="5400" dirty="0"/>
+              <a:t>Violent crime vs. poverty rate</a:t>
+            </a:r>
+          </a:p>
+        </p:txBody>
+      </p:sp>
+      <p:sp>
+        <p:nvSpPr>
+          <p:cNvPr id="8" name="Text Placeholder 7">
+            <a:extLst>
+              <a:ext uri="{FF2B5EF4-FFF2-40B4-BE49-F238E27FC236}">
+                <a16:creationId xmlns:a16="http://schemas.microsoft.com/office/drawing/2014/main" id="{57659551-F6F2-394F-8562-4235BFA49B8E}"/>
+              </a:ext>
+            </a:extLst>
+          </p:cNvPr>
+          <p:cNvSpPr>
+            <a:spLocks noGrp="1"/>
+          </p:cNvSpPr>
+          <p:nvPr>
+            <p:ph type="body" idx="1"/>
+          </p:nvPr>
+        </p:nvSpPr>
+        <p:spPr>
+          <a:xfrm>
+            <a:off x="685801" y="2218267"/>
+            <a:ext cx="4996923" cy="576262"/>
+          </a:xfrm>
+        </p:spPr>
+        <p:txBody>
+          <a:bodyPr/>
+          <a:lstStyle/>
+          <a:p>
+            <a:pPr algn="ctr"/>
+            <a:r>
+              <a:rPr lang="en-US" dirty="0"/>
+              <a:t>Bar Graph</a:t>
+            </a:r>
+          </a:p>
+        </p:txBody>
+      </p:sp>
+      <p:pic>
+        <p:nvPicPr>
+          <p:cNvPr id="3" name="Content Placeholder 2">
+            <a:extLst>
+              <a:ext uri="{FF2B5EF4-FFF2-40B4-BE49-F238E27FC236}">
+                <a16:creationId xmlns:a16="http://schemas.microsoft.com/office/drawing/2014/main" id="{AFF27548-A89A-7C49-A73C-5099E9AAC92E}"/>
+              </a:ext>
+            </a:extLst>
+          </p:cNvPr>
+          <p:cNvPicPr>
+            <a:picLocks noGrp="1" noChangeAspect="1"/>
+          </p:cNvPicPr>
+          <p:nvPr>
+            <p:ph sz="half" idx="2"/>
+          </p:nvPr>
+        </p:nvPicPr>
+        <p:blipFill>
+          <a:blip r:embed="rId2"/>
+          <a:stretch>
+            <a:fillRect/>
+          </a:stretch>
+        </p:blipFill>
+        <p:spPr>
+          <a:xfrm>
+            <a:off x="993775" y="2870200"/>
+            <a:ext cx="4381500" cy="2921000"/>
+          </a:xfrm>
+        </p:spPr>
+      </p:pic>
+      <p:sp>
+        <p:nvSpPr>
+          <p:cNvPr id="10" name="Text Placeholder 9">
+            <a:extLst>
+              <a:ext uri="{FF2B5EF4-FFF2-40B4-BE49-F238E27FC236}">
+                <a16:creationId xmlns:a16="http://schemas.microsoft.com/office/drawing/2014/main" id="{B8D49F98-4661-3B4E-99A4-A6391DCDE49F}"/>
+              </a:ext>
+            </a:extLst>
+          </p:cNvPr>
+          <p:cNvSpPr>
+            <a:spLocks noGrp="1"/>
+          </p:cNvSpPr>
+          <p:nvPr>
+            <p:ph type="body" sz="quarter" idx="3"/>
+          </p:nvPr>
+        </p:nvSpPr>
+        <p:spPr>
+          <a:xfrm>
+            <a:off x="5821895" y="2226734"/>
+            <a:ext cx="4996922" cy="576262"/>
+          </a:xfrm>
+        </p:spPr>
+        <p:txBody>
+          <a:bodyPr/>
+          <a:lstStyle/>
+          <a:p>
+            <a:pPr algn="ctr"/>
+            <a:r>
+              <a:rPr lang="en-US" dirty="0"/>
+              <a:t>Scatter Plot</a:t>
+            </a:r>
+          </a:p>
+        </p:txBody>
+      </p:sp>
+      <p:pic>
+        <p:nvPicPr>
+          <p:cNvPr id="5" name="Content Placeholder 4">
+            <a:extLst>
+              <a:ext uri="{FF2B5EF4-FFF2-40B4-BE49-F238E27FC236}">
+                <a16:creationId xmlns:a16="http://schemas.microsoft.com/office/drawing/2014/main" id="{997346AA-1968-DD46-A7B7-591D2C8A012C}"/>
+              </a:ext>
+            </a:extLst>
+          </p:cNvPr>
+          <p:cNvPicPr>
+            <a:picLocks noGrp="1" noChangeAspect="1"/>
+          </p:cNvPicPr>
+          <p:nvPr>
+            <p:ph sz="quarter" idx="4"/>
+          </p:nvPr>
+        </p:nvPicPr>
+        <p:blipFill>
+          <a:blip r:embed="rId3"/>
+          <a:stretch>
+            <a:fillRect/>
+          </a:stretch>
+        </p:blipFill>
+        <p:spPr>
+          <a:xfrm>
+            <a:off x="6130131" y="2870200"/>
+            <a:ext cx="4381500" cy="2921000"/>
+          </a:xfrm>
+        </p:spPr>
+      </p:pic>
     </p:spTree>
     <p:extLst>
       <p:ext uri="{BB962C8B-B14F-4D97-AF65-F5344CB8AC3E}">
-        <p14:creationId xmlns:p14="http://schemas.microsoft.com/office/powerpoint/2010/main" val="697592174"/>
+        <p14:creationId xmlns:p14="http://schemas.microsoft.com/office/powerpoint/2010/main" val="1760039113"/>
+      </p:ext>
+    </p:extLst>
+  </p:cSld>
+  <p:clrMapOvr>
+    <a:masterClrMapping/>
+  </p:clrMapOvr>
+</p:sld>
+</file>
+
+<file path=ppt/slides/slide8.xml><?xml version="1.0" encoding="utf-8"?>
+<p:sld xmlns:a="http://schemas.openxmlformats.org/drawingml/2006/main" xmlns:r="http://schemas.openxmlformats.org/officeDocument/2006/relationships" xmlns:p="http://schemas.openxmlformats.org/presentationml/2006/main">
+  <p:cSld>
+    <p:spTree>
+      <p:nvGrpSpPr>
+        <p:cNvPr id="1" name=""/>
+        <p:cNvGrpSpPr/>
+        <p:nvPr/>
+      </p:nvGrpSpPr>
+      <p:grpSpPr>
+        <a:xfrm>
+          <a:off x="0" y="0"/>
+          <a:ext cx="0" cy="0"/>
+          <a:chOff x="0" y="0"/>
+          <a:chExt cx="0" cy="0"/>
+        </a:xfrm>
+      </p:grpSpPr>
+      <p:sp>
+        <p:nvSpPr>
+          <p:cNvPr id="2" name="Title 1">
+            <a:extLst>
+              <a:ext uri="{FF2B5EF4-FFF2-40B4-BE49-F238E27FC236}">
+                <a16:creationId xmlns:a16="http://schemas.microsoft.com/office/drawing/2014/main" id="{08B24A45-2AA5-2E43-98C4-7BCAC4708C25}"/>
+              </a:ext>
+            </a:extLst>
+          </p:cNvPr>
+          <p:cNvSpPr>
+            <a:spLocks noGrp="1"/>
+          </p:cNvSpPr>
+          <p:nvPr>
+            <p:ph type="title"/>
+          </p:nvPr>
+        </p:nvSpPr>
+        <p:spPr/>
+        <p:txBody>
+          <a:bodyPr>
+            <a:noAutofit/>
+          </a:bodyPr>
+          <a:lstStyle/>
+          <a:p>
+            <a:pPr algn="ctr"/>
+            <a:r>
+              <a:rPr lang="en-US" sz="5700" dirty="0"/>
+              <a:t>Graduation rates vs. income</a:t>
+            </a:r>
+          </a:p>
+        </p:txBody>
+      </p:sp>
+      <p:sp>
+        <p:nvSpPr>
+          <p:cNvPr id="3" name="Text Placeholder 2">
+            <a:extLst>
+              <a:ext uri="{FF2B5EF4-FFF2-40B4-BE49-F238E27FC236}">
+                <a16:creationId xmlns:a16="http://schemas.microsoft.com/office/drawing/2014/main" id="{B8ADA3EA-D40A-9F4A-A0F4-85A4D6BDE5F4}"/>
+              </a:ext>
+            </a:extLst>
+          </p:cNvPr>
+          <p:cNvSpPr>
+            <a:spLocks noGrp="1"/>
+          </p:cNvSpPr>
+          <p:nvPr>
+            <p:ph type="body" idx="1"/>
+          </p:nvPr>
+        </p:nvSpPr>
+        <p:spPr>
+          <a:xfrm>
+            <a:off x="685801" y="2218267"/>
+            <a:ext cx="4996923" cy="576262"/>
+          </a:xfrm>
+        </p:spPr>
+        <p:txBody>
+          <a:bodyPr/>
+          <a:lstStyle/>
+          <a:p>
+            <a:pPr algn="ctr"/>
+            <a:r>
+              <a:rPr lang="en-US" dirty="0"/>
+              <a:t>Bar Graph</a:t>
+            </a:r>
+          </a:p>
+        </p:txBody>
+      </p:sp>
+      <p:sp>
+        <p:nvSpPr>
+          <p:cNvPr id="4" name="Content Placeholder 3">
+            <a:extLst>
+              <a:ext uri="{FF2B5EF4-FFF2-40B4-BE49-F238E27FC236}">
+                <a16:creationId xmlns:a16="http://schemas.microsoft.com/office/drawing/2014/main" id="{097780F7-226D-B84A-B8D4-31E1DAACB5CA}"/>
+              </a:ext>
+            </a:extLst>
+          </p:cNvPr>
+          <p:cNvSpPr>
+            <a:spLocks noGrp="1"/>
+          </p:cNvSpPr>
+          <p:nvPr>
+            <p:ph sz="half" idx="2"/>
+          </p:nvPr>
+        </p:nvSpPr>
+        <p:spPr/>
+        <p:txBody>
+          <a:bodyPr/>
+          <a:lstStyle/>
+          <a:p>
+            <a:endParaRPr lang="en-US" dirty="0"/>
+          </a:p>
+        </p:txBody>
+      </p:sp>
+      <p:sp>
+        <p:nvSpPr>
+          <p:cNvPr id="5" name="Text Placeholder 4">
+            <a:extLst>
+              <a:ext uri="{FF2B5EF4-FFF2-40B4-BE49-F238E27FC236}">
+                <a16:creationId xmlns:a16="http://schemas.microsoft.com/office/drawing/2014/main" id="{214120AB-0E31-7043-9837-3CF5655AA99D}"/>
+              </a:ext>
+            </a:extLst>
+          </p:cNvPr>
+          <p:cNvSpPr>
+            <a:spLocks noGrp="1"/>
+          </p:cNvSpPr>
+          <p:nvPr>
+            <p:ph type="body" sz="quarter" idx="3"/>
+          </p:nvPr>
+        </p:nvSpPr>
+        <p:spPr>
+          <a:xfrm>
+            <a:off x="5821895" y="2226734"/>
+            <a:ext cx="4996922" cy="576262"/>
+          </a:xfrm>
+        </p:spPr>
+        <p:txBody>
+          <a:bodyPr/>
+          <a:lstStyle/>
+          <a:p>
+            <a:pPr algn="ctr"/>
+            <a:r>
+              <a:rPr lang="en-US" dirty="0"/>
+              <a:t>Scatter Plot</a:t>
+            </a:r>
+          </a:p>
+        </p:txBody>
+      </p:sp>
+      <p:sp>
+        <p:nvSpPr>
+          <p:cNvPr id="6" name="Content Placeholder 5">
+            <a:extLst>
+              <a:ext uri="{FF2B5EF4-FFF2-40B4-BE49-F238E27FC236}">
+                <a16:creationId xmlns:a16="http://schemas.microsoft.com/office/drawing/2014/main" id="{F545F001-6ED5-DC4B-BD9D-4E09091BD109}"/>
+              </a:ext>
+            </a:extLst>
+          </p:cNvPr>
+          <p:cNvSpPr>
+            <a:spLocks noGrp="1"/>
+          </p:cNvSpPr>
+          <p:nvPr>
+            <p:ph sz="quarter" idx="4"/>
+          </p:nvPr>
+        </p:nvSpPr>
+        <p:spPr/>
+        <p:txBody>
+          <a:bodyPr/>
+          <a:lstStyle/>
+          <a:p>
+            <a:endParaRPr lang="en-US" dirty="0"/>
+          </a:p>
+        </p:txBody>
+      </p:sp>
+    </p:spTree>
+    <p:extLst>
+      <p:ext uri="{BB962C8B-B14F-4D97-AF65-F5344CB8AC3E}">
+        <p14:creationId xmlns:p14="http://schemas.microsoft.com/office/powerpoint/2010/main" val="4056576814"/>
       </p:ext>
     </p:extLst>
   </p:cSld>

--- a/Project1Presentation.pptx
+++ b/Project1Presentation.pptx
@@ -13,6 +13,8 @@
     <p:sldId id="258" r:id="rId7"/>
     <p:sldId id="259" r:id="rId8"/>
     <p:sldId id="260" r:id="rId9"/>
+    <p:sldId id="264" r:id="rId10"/>
+    <p:sldId id="265" r:id="rId11"/>
   </p:sldIdLst>
   <p:sldSz cx="12192000" cy="6858000"/>
   <p:notesSz cx="6858000" cy="9144000"/>
@@ -5938,6 +5940,161 @@
 </p:sld>
 </file>
 
+<file path=ppt/slides/slide10.xml><?xml version="1.0" encoding="utf-8"?>
+<p:sld xmlns:a="http://schemas.openxmlformats.org/drawingml/2006/main" xmlns:r="http://schemas.openxmlformats.org/officeDocument/2006/relationships" xmlns:p="http://schemas.openxmlformats.org/presentationml/2006/main">
+  <p:cSld>
+    <p:spTree>
+      <p:nvGrpSpPr>
+        <p:cNvPr id="1" name=""/>
+        <p:cNvGrpSpPr/>
+        <p:nvPr/>
+      </p:nvGrpSpPr>
+      <p:grpSpPr>
+        <a:xfrm>
+          <a:off x="0" y="0"/>
+          <a:ext cx="0" cy="0"/>
+          <a:chOff x="0" y="0"/>
+          <a:chExt cx="0" cy="0"/>
+        </a:xfrm>
+      </p:grpSpPr>
+      <p:sp>
+        <p:nvSpPr>
+          <p:cNvPr id="2" name="Title 1">
+            <a:extLst>
+              <a:ext uri="{FF2B5EF4-FFF2-40B4-BE49-F238E27FC236}">
+                <a16:creationId xmlns:a16="http://schemas.microsoft.com/office/drawing/2014/main" id="{3EC96BE7-FFB7-3141-8861-8427A727E2C1}"/>
+              </a:ext>
+            </a:extLst>
+          </p:cNvPr>
+          <p:cNvSpPr>
+            <a:spLocks noGrp="1"/>
+          </p:cNvSpPr>
+          <p:nvPr>
+            <p:ph type="title"/>
+          </p:nvPr>
+        </p:nvSpPr>
+        <p:spPr/>
+        <p:txBody>
+          <a:bodyPr/>
+          <a:lstStyle/>
+          <a:p>
+            <a:endParaRPr lang="en-US"/>
+          </a:p>
+        </p:txBody>
+      </p:sp>
+      <p:sp>
+        <p:nvSpPr>
+          <p:cNvPr id="3" name="Text Placeholder 2">
+            <a:extLst>
+              <a:ext uri="{FF2B5EF4-FFF2-40B4-BE49-F238E27FC236}">
+                <a16:creationId xmlns:a16="http://schemas.microsoft.com/office/drawing/2014/main" id="{A05E4E81-3188-9340-A813-01A81698B028}"/>
+              </a:ext>
+            </a:extLst>
+          </p:cNvPr>
+          <p:cNvSpPr>
+            <a:spLocks noGrp="1"/>
+          </p:cNvSpPr>
+          <p:nvPr>
+            <p:ph type="body" idx="1"/>
+          </p:nvPr>
+        </p:nvSpPr>
+        <p:spPr/>
+        <p:txBody>
+          <a:bodyPr/>
+          <a:lstStyle/>
+          <a:p>
+            <a:endParaRPr lang="en-US"/>
+          </a:p>
+        </p:txBody>
+      </p:sp>
+      <p:sp>
+        <p:nvSpPr>
+          <p:cNvPr id="4" name="Content Placeholder 3">
+            <a:extLst>
+              <a:ext uri="{FF2B5EF4-FFF2-40B4-BE49-F238E27FC236}">
+                <a16:creationId xmlns:a16="http://schemas.microsoft.com/office/drawing/2014/main" id="{24268BAA-64C0-E548-A0AC-C3449671731B}"/>
+              </a:ext>
+            </a:extLst>
+          </p:cNvPr>
+          <p:cNvSpPr>
+            <a:spLocks noGrp="1"/>
+          </p:cNvSpPr>
+          <p:nvPr>
+            <p:ph sz="half" idx="2"/>
+          </p:nvPr>
+        </p:nvSpPr>
+        <p:spPr/>
+        <p:txBody>
+          <a:bodyPr/>
+          <a:lstStyle/>
+          <a:p>
+            <a:endParaRPr lang="en-US"/>
+          </a:p>
+        </p:txBody>
+      </p:sp>
+      <p:sp>
+        <p:nvSpPr>
+          <p:cNvPr id="5" name="Text Placeholder 4">
+            <a:extLst>
+              <a:ext uri="{FF2B5EF4-FFF2-40B4-BE49-F238E27FC236}">
+                <a16:creationId xmlns:a16="http://schemas.microsoft.com/office/drawing/2014/main" id="{1DB73518-A0A6-2C4A-B094-6F4BD019C6E3}"/>
+              </a:ext>
+            </a:extLst>
+          </p:cNvPr>
+          <p:cNvSpPr>
+            <a:spLocks noGrp="1"/>
+          </p:cNvSpPr>
+          <p:nvPr>
+            <p:ph type="body" sz="quarter" idx="3"/>
+          </p:nvPr>
+        </p:nvSpPr>
+        <p:spPr/>
+        <p:txBody>
+          <a:bodyPr/>
+          <a:lstStyle/>
+          <a:p>
+            <a:endParaRPr lang="en-US"/>
+          </a:p>
+        </p:txBody>
+      </p:sp>
+      <p:sp>
+        <p:nvSpPr>
+          <p:cNvPr id="6" name="Content Placeholder 5">
+            <a:extLst>
+              <a:ext uri="{FF2B5EF4-FFF2-40B4-BE49-F238E27FC236}">
+                <a16:creationId xmlns:a16="http://schemas.microsoft.com/office/drawing/2014/main" id="{C5553D03-BD82-5347-A9AA-03C1A1AD9C8B}"/>
+              </a:ext>
+            </a:extLst>
+          </p:cNvPr>
+          <p:cNvSpPr>
+            <a:spLocks noGrp="1"/>
+          </p:cNvSpPr>
+          <p:nvPr>
+            <p:ph sz="quarter" idx="4"/>
+          </p:nvPr>
+        </p:nvSpPr>
+        <p:spPr/>
+        <p:txBody>
+          <a:bodyPr/>
+          <a:lstStyle/>
+          <a:p>
+            <a:endParaRPr lang="en-US"/>
+          </a:p>
+        </p:txBody>
+      </p:sp>
+    </p:spTree>
+    <p:extLst>
+      <p:ext uri="{BB962C8B-B14F-4D97-AF65-F5344CB8AC3E}">
+        <p14:creationId xmlns:p14="http://schemas.microsoft.com/office/powerpoint/2010/main" val="831250477"/>
+      </p:ext>
+    </p:extLst>
+  </p:cSld>
+  <p:clrMapOvr>
+    <a:masterClrMapping/>
+  </p:clrMapOvr>
+</p:sld>
+</file>
+
 <file path=ppt/slides/slide2.xml><?xml version="1.0" encoding="utf-8"?>
 <p:sld xmlns:a="http://schemas.openxmlformats.org/drawingml/2006/main" xmlns:r="http://schemas.openxmlformats.org/officeDocument/2006/relationships" xmlns:p="http://schemas.openxmlformats.org/presentationml/2006/main">
   <p:cSld>
@@ -6223,7 +6380,7 @@
           <a:p>
             <a:pPr algn="ctr"/>
             <a:r>
-              <a:rPr lang="en-US" sz="4800" dirty="0"/>
+              <a:rPr lang="en-US" sz="5000" dirty="0"/>
               <a:t>Locations used for comparison</a:t>
             </a:r>
           </a:p>
@@ -6248,42 +6405,42 @@
         <p:spPr/>
         <p:txBody>
           <a:bodyPr>
-            <a:normAutofit/>
+            <a:noAutofit/>
           </a:bodyPr>
           <a:lstStyle/>
           <a:p>
             <a:r>
-              <a:rPr lang="en-US" sz="2400" dirty="0"/>
+              <a:rPr lang="en-US" sz="2800" dirty="0"/>
               <a:t>Chicago</a:t>
             </a:r>
           </a:p>
           <a:p>
             <a:r>
-              <a:rPr lang="en-US" sz="2400" dirty="0"/>
+              <a:rPr lang="en-US" sz="2800" dirty="0"/>
               <a:t>Los Angeles</a:t>
             </a:r>
           </a:p>
           <a:p>
             <a:r>
-              <a:rPr lang="en-US" sz="2400" dirty="0"/>
+              <a:rPr lang="en-US" sz="2800" dirty="0"/>
               <a:t>New York</a:t>
             </a:r>
           </a:p>
           <a:p>
             <a:r>
-              <a:rPr lang="en-US" sz="2400" dirty="0"/>
+              <a:rPr lang="en-US" sz="2800" dirty="0"/>
               <a:t>Tampa </a:t>
             </a:r>
           </a:p>
           <a:p>
             <a:r>
-              <a:rPr lang="en-US" sz="2400" dirty="0"/>
+              <a:rPr lang="en-US" sz="2800" dirty="0"/>
               <a:t>Washington, DC</a:t>
             </a:r>
           </a:p>
           <a:p>
             <a:r>
-              <a:rPr lang="en-US" sz="2400" dirty="0"/>
+              <a:rPr lang="en-US" sz="2800" dirty="0"/>
               <a:t>United States used for comparison data</a:t>
             </a:r>
           </a:p>
@@ -6971,6 +7128,9 @@
           <a:bodyPr/>
           <a:lstStyle/>
           <a:p>
+            <a:pPr marL="0" indent="0">
+              <a:buNone/>
+            </a:pPr>
             <a:endParaRPr lang="en-US" dirty="0"/>
           </a:p>
         </p:txBody>
@@ -7030,6 +7190,9 @@
           <a:bodyPr/>
           <a:lstStyle/>
           <a:p>
+            <a:pPr marL="0" indent="0">
+              <a:buNone/>
+            </a:pPr>
             <a:endParaRPr lang="en-US" dirty="0"/>
           </a:p>
         </p:txBody>
@@ -7038,6 +7201,86 @@
     <p:extLst>
       <p:ext uri="{BB962C8B-B14F-4D97-AF65-F5344CB8AC3E}">
         <p14:creationId xmlns:p14="http://schemas.microsoft.com/office/powerpoint/2010/main" val="4056576814"/>
+      </p:ext>
+    </p:extLst>
+  </p:cSld>
+  <p:clrMapOvr>
+    <a:masterClrMapping/>
+  </p:clrMapOvr>
+</p:sld>
+</file>
+
+<file path=ppt/slides/slide9.xml><?xml version="1.0" encoding="utf-8"?>
+<p:sld xmlns:a="http://schemas.openxmlformats.org/drawingml/2006/main" xmlns:r="http://schemas.openxmlformats.org/officeDocument/2006/relationships" xmlns:p="http://schemas.openxmlformats.org/presentationml/2006/main">
+  <p:cSld>
+    <p:spTree>
+      <p:nvGrpSpPr>
+        <p:cNvPr id="1" name=""/>
+        <p:cNvGrpSpPr/>
+        <p:nvPr/>
+      </p:nvGrpSpPr>
+      <p:grpSpPr>
+        <a:xfrm>
+          <a:off x="0" y="0"/>
+          <a:ext cx="0" cy="0"/>
+          <a:chOff x="0" y="0"/>
+          <a:chExt cx="0" cy="0"/>
+        </a:xfrm>
+      </p:grpSpPr>
+      <p:sp>
+        <p:nvSpPr>
+          <p:cNvPr id="9" name="Title 8">
+            <a:extLst>
+              <a:ext uri="{FF2B5EF4-FFF2-40B4-BE49-F238E27FC236}">
+                <a16:creationId xmlns:a16="http://schemas.microsoft.com/office/drawing/2014/main" id="{0CFCCFBC-E438-3142-81EC-28CC82BE95DF}"/>
+              </a:ext>
+            </a:extLst>
+          </p:cNvPr>
+          <p:cNvSpPr>
+            <a:spLocks noGrp="1"/>
+          </p:cNvSpPr>
+          <p:nvPr>
+            <p:ph type="title"/>
+          </p:nvPr>
+        </p:nvSpPr>
+        <p:spPr/>
+        <p:txBody>
+          <a:bodyPr/>
+          <a:lstStyle/>
+          <a:p>
+            <a:endParaRPr lang="en-US"/>
+          </a:p>
+        </p:txBody>
+      </p:sp>
+      <p:sp>
+        <p:nvSpPr>
+          <p:cNvPr id="10" name="Content Placeholder 9">
+            <a:extLst>
+              <a:ext uri="{FF2B5EF4-FFF2-40B4-BE49-F238E27FC236}">
+                <a16:creationId xmlns:a16="http://schemas.microsoft.com/office/drawing/2014/main" id="{4CB2B59E-4E82-6F4A-A024-CC2C95926476}"/>
+              </a:ext>
+            </a:extLst>
+          </p:cNvPr>
+          <p:cNvSpPr>
+            <a:spLocks noGrp="1"/>
+          </p:cNvSpPr>
+          <p:nvPr>
+            <p:ph idx="1"/>
+          </p:nvPr>
+        </p:nvSpPr>
+        <p:spPr/>
+        <p:txBody>
+          <a:bodyPr/>
+          <a:lstStyle/>
+          <a:p>
+            <a:endParaRPr lang="en-US"/>
+          </a:p>
+        </p:txBody>
+      </p:sp>
+    </p:spTree>
+    <p:extLst>
+      <p:ext uri="{BB962C8B-B14F-4D97-AF65-F5344CB8AC3E}">
+        <p14:creationId xmlns:p14="http://schemas.microsoft.com/office/powerpoint/2010/main" val="2397051229"/>
       </p:ext>
     </p:extLst>
   </p:cSld>

--- a/Project1Presentation.pptx
+++ b/Project1Presentation.pptx
@@ -9,12 +9,14 @@
     <p:sldId id="261" r:id="rId3"/>
     <p:sldId id="262" r:id="rId4"/>
     <p:sldId id="263" r:id="rId5"/>
-    <p:sldId id="257" r:id="rId6"/>
-    <p:sldId id="258" r:id="rId7"/>
-    <p:sldId id="259" r:id="rId8"/>
-    <p:sldId id="260" r:id="rId9"/>
-    <p:sldId id="264" r:id="rId10"/>
-    <p:sldId id="265" r:id="rId11"/>
+    <p:sldId id="266" r:id="rId6"/>
+    <p:sldId id="267" r:id="rId7"/>
+    <p:sldId id="257" r:id="rId8"/>
+    <p:sldId id="258" r:id="rId9"/>
+    <p:sldId id="259" r:id="rId10"/>
+    <p:sldId id="260" r:id="rId11"/>
+    <p:sldId id="264" r:id="rId12"/>
+    <p:sldId id="265" r:id="rId13"/>
   </p:sldIdLst>
   <p:sldSz cx="12192000" cy="6858000"/>
   <p:notesSz cx="6858000" cy="9144000"/>
@@ -5962,7 +5964,7 @@
           <p:cNvPr id="2" name="Title 1">
             <a:extLst>
               <a:ext uri="{FF2B5EF4-FFF2-40B4-BE49-F238E27FC236}">
-                <a16:creationId xmlns:a16="http://schemas.microsoft.com/office/drawing/2014/main" id="{3EC96BE7-FFB7-3141-8861-8427A727E2C1}"/>
+                <a16:creationId xmlns:a16="http://schemas.microsoft.com/office/drawing/2014/main" id="{08B24A45-2AA5-2E43-98C4-7BCAC4708C25}"/>
               </a:ext>
             </a:extLst>
           </p:cNvPr>
@@ -5975,10 +5977,16 @@
         </p:nvSpPr>
         <p:spPr/>
         <p:txBody>
-          <a:bodyPr/>
-          <a:lstStyle/>
-          <a:p>
-            <a:endParaRPr lang="en-US"/>
+          <a:bodyPr>
+            <a:noAutofit/>
+          </a:bodyPr>
+          <a:lstStyle/>
+          <a:p>
+            <a:pPr algn="ctr"/>
+            <a:r>
+              <a:rPr lang="en-US" sz="5700" dirty="0"/>
+              <a:t>Graduation rates vs. income</a:t>
+            </a:r>
           </a:p>
         </p:txBody>
       </p:sp>
@@ -5987,7 +5995,7 @@
           <p:cNvPr id="3" name="Text Placeholder 2">
             <a:extLst>
               <a:ext uri="{FF2B5EF4-FFF2-40B4-BE49-F238E27FC236}">
-                <a16:creationId xmlns:a16="http://schemas.microsoft.com/office/drawing/2014/main" id="{A05E4E81-3188-9340-A813-01A81698B028}"/>
+                <a16:creationId xmlns:a16="http://schemas.microsoft.com/office/drawing/2014/main" id="{B8ADA3EA-D40A-9F4A-A0F4-85A4D6BDE5F4}"/>
               </a:ext>
             </a:extLst>
           </p:cNvPr>
@@ -5998,12 +6006,21 @@
             <p:ph type="body" idx="1"/>
           </p:nvPr>
         </p:nvSpPr>
-        <p:spPr/>
+        <p:spPr>
+          <a:xfrm>
+            <a:off x="685801" y="2218267"/>
+            <a:ext cx="4996923" cy="576262"/>
+          </a:xfrm>
+        </p:spPr>
         <p:txBody>
           <a:bodyPr/>
           <a:lstStyle/>
           <a:p>
-            <a:endParaRPr lang="en-US"/>
+            <a:pPr algn="ctr"/>
+            <a:r>
+              <a:rPr lang="en-US" dirty="0"/>
+              <a:t>Bar Graph</a:t>
+            </a:r>
           </a:p>
         </p:txBody>
       </p:sp>
@@ -6012,7 +6029,7 @@
           <p:cNvPr id="4" name="Content Placeholder 3">
             <a:extLst>
               <a:ext uri="{FF2B5EF4-FFF2-40B4-BE49-F238E27FC236}">
-                <a16:creationId xmlns:a16="http://schemas.microsoft.com/office/drawing/2014/main" id="{24268BAA-64C0-E548-A0AC-C3449671731B}"/>
+                <a16:creationId xmlns:a16="http://schemas.microsoft.com/office/drawing/2014/main" id="{097780F7-226D-B84A-B8D4-31E1DAACB5CA}"/>
               </a:ext>
             </a:extLst>
           </p:cNvPr>
@@ -6028,7 +6045,10 @@
           <a:bodyPr/>
           <a:lstStyle/>
           <a:p>
-            <a:endParaRPr lang="en-US"/>
+            <a:pPr marL="0" indent="0">
+              <a:buNone/>
+            </a:pPr>
+            <a:endParaRPr lang="en-US" dirty="0"/>
           </a:p>
         </p:txBody>
       </p:sp>
@@ -6037,7 +6057,7 @@
           <p:cNvPr id="5" name="Text Placeholder 4">
             <a:extLst>
               <a:ext uri="{FF2B5EF4-FFF2-40B4-BE49-F238E27FC236}">
-                <a16:creationId xmlns:a16="http://schemas.microsoft.com/office/drawing/2014/main" id="{1DB73518-A0A6-2C4A-B094-6F4BD019C6E3}"/>
+                <a16:creationId xmlns:a16="http://schemas.microsoft.com/office/drawing/2014/main" id="{214120AB-0E31-7043-9837-3CF5655AA99D}"/>
               </a:ext>
             </a:extLst>
           </p:cNvPr>
@@ -6048,12 +6068,21 @@
             <p:ph type="body" sz="quarter" idx="3"/>
           </p:nvPr>
         </p:nvSpPr>
-        <p:spPr/>
+        <p:spPr>
+          <a:xfrm>
+            <a:off x="5821895" y="2226734"/>
+            <a:ext cx="4996922" cy="576262"/>
+          </a:xfrm>
+        </p:spPr>
         <p:txBody>
           <a:bodyPr/>
           <a:lstStyle/>
           <a:p>
-            <a:endParaRPr lang="en-US"/>
+            <a:pPr algn="ctr"/>
+            <a:r>
+              <a:rPr lang="en-US" dirty="0"/>
+              <a:t>Scatter Plot</a:t>
+            </a:r>
           </a:p>
         </p:txBody>
       </p:sp>
@@ -6062,7 +6091,7 @@
           <p:cNvPr id="6" name="Content Placeholder 5">
             <a:extLst>
               <a:ext uri="{FF2B5EF4-FFF2-40B4-BE49-F238E27FC236}">
-                <a16:creationId xmlns:a16="http://schemas.microsoft.com/office/drawing/2014/main" id="{C5553D03-BD82-5347-A9AA-03C1A1AD9C8B}"/>
+                <a16:creationId xmlns:a16="http://schemas.microsoft.com/office/drawing/2014/main" id="{F545F001-6ED5-DC4B-BD9D-4E09091BD109}"/>
               </a:ext>
             </a:extLst>
           </p:cNvPr>
@@ -6078,10 +6107,129 @@
           <a:bodyPr/>
           <a:lstStyle/>
           <a:p>
+            <a:pPr marL="0" indent="0">
+              <a:buNone/>
+            </a:pPr>
+            <a:endParaRPr lang="en-US" dirty="0"/>
+          </a:p>
+        </p:txBody>
+      </p:sp>
+    </p:spTree>
+    <p:extLst>
+      <p:ext uri="{BB962C8B-B14F-4D97-AF65-F5344CB8AC3E}">
+        <p14:creationId xmlns:p14="http://schemas.microsoft.com/office/powerpoint/2010/main" val="4056576814"/>
+      </p:ext>
+    </p:extLst>
+  </p:cSld>
+  <p:clrMapOvr>
+    <a:masterClrMapping/>
+  </p:clrMapOvr>
+</p:sld>
+</file>
+
+<file path=ppt/slides/slide11.xml><?xml version="1.0" encoding="utf-8"?>
+<p:sld xmlns:a="http://schemas.openxmlformats.org/drawingml/2006/main" xmlns:r="http://schemas.openxmlformats.org/officeDocument/2006/relationships" xmlns:p="http://schemas.openxmlformats.org/presentationml/2006/main">
+  <p:cSld>
+    <p:spTree>
+      <p:nvGrpSpPr>
+        <p:cNvPr id="1" name=""/>
+        <p:cNvGrpSpPr/>
+        <p:nvPr/>
+      </p:nvGrpSpPr>
+      <p:grpSpPr>
+        <a:xfrm>
+          <a:off x="0" y="0"/>
+          <a:ext cx="0" cy="0"/>
+          <a:chOff x="0" y="0"/>
+          <a:chExt cx="0" cy="0"/>
+        </a:xfrm>
+      </p:grpSpPr>
+      <p:sp>
+        <p:nvSpPr>
+          <p:cNvPr id="9" name="Title 8">
+            <a:extLst>
+              <a:ext uri="{FF2B5EF4-FFF2-40B4-BE49-F238E27FC236}">
+                <a16:creationId xmlns:a16="http://schemas.microsoft.com/office/drawing/2014/main" id="{0CFCCFBC-E438-3142-81EC-28CC82BE95DF}"/>
+              </a:ext>
+            </a:extLst>
+          </p:cNvPr>
+          <p:cNvSpPr>
+            <a:spLocks noGrp="1"/>
+          </p:cNvSpPr>
+          <p:nvPr>
+            <p:ph type="title"/>
+          </p:nvPr>
+        </p:nvSpPr>
+        <p:spPr/>
+        <p:txBody>
+          <a:bodyPr>
+            <a:normAutofit/>
+          </a:bodyPr>
+          <a:lstStyle/>
+          <a:p>
+            <a:pPr algn="ctr"/>
+            <a:r>
+              <a:rPr lang="en-US" sz="4800" dirty="0"/>
+              <a:t>Results by comparison</a:t>
+            </a:r>
+          </a:p>
+        </p:txBody>
+      </p:sp>
+      <p:sp>
+        <p:nvSpPr>
+          <p:cNvPr id="10" name="Content Placeholder 9">
+            <a:extLst>
+              <a:ext uri="{FF2B5EF4-FFF2-40B4-BE49-F238E27FC236}">
+                <a16:creationId xmlns:a16="http://schemas.microsoft.com/office/drawing/2014/main" id="{4CB2B59E-4E82-6F4A-A024-CC2C95926476}"/>
+              </a:ext>
+            </a:extLst>
+          </p:cNvPr>
+          <p:cNvSpPr>
+            <a:spLocks noGrp="1"/>
+          </p:cNvSpPr>
+          <p:nvPr>
+            <p:ph idx="1"/>
+          </p:nvPr>
+        </p:nvSpPr>
+        <p:spPr/>
+        <p:txBody>
+          <a:bodyPr/>
+          <a:lstStyle/>
+          <a:p>
             <a:endParaRPr lang="en-US"/>
           </a:p>
         </p:txBody>
       </p:sp>
+    </p:spTree>
+    <p:extLst>
+      <p:ext uri="{BB962C8B-B14F-4D97-AF65-F5344CB8AC3E}">
+        <p14:creationId xmlns:p14="http://schemas.microsoft.com/office/powerpoint/2010/main" val="2397051229"/>
+      </p:ext>
+    </p:extLst>
+  </p:cSld>
+  <p:clrMapOvr>
+    <a:masterClrMapping/>
+  </p:clrMapOvr>
+</p:sld>
+</file>
+
+<file path=ppt/slides/slide12.xml><?xml version="1.0" encoding="utf-8"?>
+<p:sld xmlns:a="http://schemas.openxmlformats.org/drawingml/2006/main" xmlns:r="http://schemas.openxmlformats.org/officeDocument/2006/relationships" xmlns:p="http://schemas.openxmlformats.org/presentationml/2006/main">
+  <p:cSld>
+    <p:spTree>
+      <p:nvGrpSpPr>
+        <p:cNvPr id="1" name=""/>
+        <p:cNvGrpSpPr/>
+        <p:nvPr/>
+      </p:nvGrpSpPr>
+      <p:grpSpPr>
+        <a:xfrm>
+          <a:off x="0" y="0"/>
+          <a:ext cx="0" cy="0"/>
+          <a:chOff x="0" y="0"/>
+          <a:chExt cx="0" cy="0"/>
+        </a:xfrm>
+      </p:grpSpPr>
     </p:spTree>
     <p:extLst>
       <p:ext uri="{BB962C8B-B14F-4D97-AF65-F5344CB8AC3E}">
@@ -6478,10 +6626,10 @@
       </p:grpSpPr>
       <p:sp>
         <p:nvSpPr>
-          <p:cNvPr id="4" name="Title 3">
+          <p:cNvPr id="2" name="Title 1">
             <a:extLst>
               <a:ext uri="{FF2B5EF4-FFF2-40B4-BE49-F238E27FC236}">
-                <a16:creationId xmlns:a16="http://schemas.microsoft.com/office/drawing/2014/main" id="{A64BD7B4-6983-EF4C-B4F5-B947D4DF35AF}"/>
+                <a16:creationId xmlns:a16="http://schemas.microsoft.com/office/drawing/2014/main" id="{C43E10D5-151E-094D-81C2-3C411AB6685A}"/>
               </a:ext>
             </a:extLst>
           </p:cNvPr>
@@ -6492,32 +6640,25 @@
             <p:ph type="title"/>
           </p:nvPr>
         </p:nvSpPr>
-        <p:spPr>
-          <a:xfrm>
-            <a:off x="111512" y="609600"/>
-            <a:ext cx="11954108" cy="1456267"/>
-          </a:xfrm>
-        </p:spPr>
-        <p:txBody>
-          <a:bodyPr>
-            <a:noAutofit/>
-          </a:bodyPr>
+        <p:spPr/>
+        <p:txBody>
+          <a:bodyPr/>
           <a:lstStyle/>
           <a:p>
             <a:pPr algn="ctr"/>
             <a:r>
-              <a:rPr lang="en-US" sz="5400" dirty="0"/>
-              <a:t>Violent crime vs. graduation rates</a:t>
-            </a:r>
-          </a:p>
-        </p:txBody>
-      </p:sp>
-      <p:sp>
-        <p:nvSpPr>
-          <p:cNvPr id="5" name="Text Placeholder 4">
+              <a:rPr lang="en-US" dirty="0"/>
+              <a:t>Our Hypothesis and Null Hypothesis</a:t>
+            </a:r>
+          </a:p>
+        </p:txBody>
+      </p:sp>
+      <p:sp>
+        <p:nvSpPr>
+          <p:cNvPr id="3" name="Content Placeholder 2">
             <a:extLst>
               <a:ext uri="{FF2B5EF4-FFF2-40B4-BE49-F238E27FC236}">
-                <a16:creationId xmlns:a16="http://schemas.microsoft.com/office/drawing/2014/main" id="{81811B6A-4626-5943-A021-0502CBD9B0E2}"/>
+                <a16:creationId xmlns:a16="http://schemas.microsoft.com/office/drawing/2014/main" id="{66AFBEFC-1A97-9A49-8506-F3F5A94498BE}"/>
               </a:ext>
             </a:extLst>
           </p:cNvPr>
@@ -6525,123 +6666,46 @@
             <a:spLocks noGrp="1"/>
           </p:cNvSpPr>
           <p:nvPr>
-            <p:ph type="body" idx="1"/>
-          </p:nvPr>
-        </p:nvSpPr>
-        <p:spPr>
-          <a:xfrm>
-            <a:off x="685801" y="2226734"/>
-            <a:ext cx="4996922" cy="576262"/>
-          </a:xfrm>
-        </p:spPr>
+            <p:ph idx="1"/>
+          </p:nvPr>
+        </p:nvSpPr>
+        <p:spPr/>
         <p:txBody>
           <a:bodyPr/>
           <a:lstStyle/>
           <a:p>
-            <a:pPr algn="ctr"/>
             <a:r>
               <a:rPr lang="en-US" dirty="0"/>
-              <a:t>Bar Graph</a:t>
-            </a:r>
-          </a:p>
-        </p:txBody>
-      </p:sp>
-      <p:pic>
-        <p:nvPicPr>
-          <p:cNvPr id="3" name="Content Placeholder 2">
-            <a:extLst>
-              <a:ext uri="{FF2B5EF4-FFF2-40B4-BE49-F238E27FC236}">
-                <a16:creationId xmlns:a16="http://schemas.microsoft.com/office/drawing/2014/main" id="{77617161-7059-F548-BEFC-BEBC2203DE97}"/>
-              </a:ext>
-            </a:extLst>
-          </p:cNvPr>
-          <p:cNvPicPr>
-            <a:picLocks noGrp="1" noChangeAspect="1"/>
-          </p:cNvPicPr>
-          <p:nvPr>
-            <p:ph sz="half" idx="2"/>
-          </p:nvPr>
-        </p:nvPicPr>
-        <p:blipFill>
-          <a:blip r:embed="rId2"/>
-          <a:stretch>
-            <a:fillRect/>
-          </a:stretch>
-        </p:blipFill>
-        <p:spPr>
-          <a:xfrm>
-            <a:off x="6129604" y="2870199"/>
-            <a:ext cx="4689211" cy="2921000"/>
-          </a:xfrm>
-        </p:spPr>
-      </p:pic>
-      <p:sp>
-        <p:nvSpPr>
-          <p:cNvPr id="7" name="Text Placeholder 6">
-            <a:extLst>
-              <a:ext uri="{FF2B5EF4-FFF2-40B4-BE49-F238E27FC236}">
-                <a16:creationId xmlns:a16="http://schemas.microsoft.com/office/drawing/2014/main" id="{99E06AB4-69C0-D045-9164-7556621997F6}"/>
-              </a:ext>
-            </a:extLst>
-          </p:cNvPr>
-          <p:cNvSpPr>
-            <a:spLocks noGrp="1"/>
-          </p:cNvSpPr>
-          <p:nvPr>
-            <p:ph type="body" sz="quarter" idx="3"/>
-          </p:nvPr>
-        </p:nvSpPr>
-        <p:spPr>
-          <a:xfrm>
-            <a:off x="5975748" y="2226734"/>
-            <a:ext cx="4996921" cy="576262"/>
-          </a:xfrm>
-        </p:spPr>
-        <p:txBody>
-          <a:bodyPr/>
-          <a:lstStyle/>
-          <a:p>
-            <a:pPr algn="ctr"/>
+              <a:t>If a city’s violent crime rate increases, there will be an inevitable drastic and economically devastating crash in population growth, graduation rate, and median income and a heart-wrenching increase in the city’s overall poverty level, widening the chasm that keeps us all from experiencing the utopian world peace that is so desperately desired. </a:t>
+            </a:r>
+          </a:p>
+          <a:p>
+            <a:pPr lvl="1"/>
             <a:r>
               <a:rPr lang="en-US" dirty="0"/>
-              <a:t>Scatter Plot</a:t>
-            </a:r>
-          </a:p>
-        </p:txBody>
-      </p:sp>
-      <p:pic>
-        <p:nvPicPr>
-          <p:cNvPr id="10" name="Content Placeholder 9">
-            <a:extLst>
-              <a:ext uri="{FF2B5EF4-FFF2-40B4-BE49-F238E27FC236}">
-                <a16:creationId xmlns:a16="http://schemas.microsoft.com/office/drawing/2014/main" id="{77BADF47-899B-F743-847B-484F21B0176F}"/>
-              </a:ext>
-            </a:extLst>
-          </p:cNvPr>
-          <p:cNvPicPr>
-            <a:picLocks noGrp="1" noChangeAspect="1"/>
-          </p:cNvPicPr>
-          <p:nvPr>
-            <p:ph sz="quarter" idx="4"/>
-          </p:nvPr>
-        </p:nvPicPr>
-        <p:blipFill>
-          <a:blip r:embed="rId3"/>
-          <a:stretch>
-            <a:fillRect/>
-          </a:stretch>
-        </p:blipFill>
-        <p:spPr>
-          <a:xfrm>
-            <a:off x="992981" y="2870200"/>
-            <a:ext cx="4381500" cy="2921000"/>
-          </a:xfrm>
-        </p:spPr>
-      </p:pic>
+              <a:t>However, if the violent crime rates plummet, then surely there is hope for us all! We will compare all results for each factor against violent crime rates with the national averages.</a:t>
+            </a:r>
+          </a:p>
+          <a:p>
+            <a:r>
+              <a:rPr lang="en-US" dirty="0"/>
+              <a:t>Our null hypothesis is as follows: Violent crime is </a:t>
+            </a:r>
+            <a:r>
+              <a:rPr lang="en-US"/>
+              <a:t>not statistically related </a:t>
+            </a:r>
+            <a:r>
+              <a:rPr lang="en-US" dirty="0"/>
+              <a:t>to an increase or decrease in factors like graduation rates, income, or poverty rate. </a:t>
+            </a:r>
+          </a:p>
+        </p:txBody>
+      </p:sp>
     </p:spTree>
     <p:extLst>
       <p:ext uri="{BB962C8B-B14F-4D97-AF65-F5344CB8AC3E}">
-        <p14:creationId xmlns:p14="http://schemas.microsoft.com/office/powerpoint/2010/main" val="339572821"/>
+        <p14:creationId xmlns:p14="http://schemas.microsoft.com/office/powerpoint/2010/main" val="2288983462"/>
       </p:ext>
     </p:extLst>
   </p:cSld>
@@ -6670,10 +6734,10 @@
       </p:grpSpPr>
       <p:sp>
         <p:nvSpPr>
-          <p:cNvPr id="7" name="Title 6">
+          <p:cNvPr id="2" name="Title 1">
             <a:extLst>
               <a:ext uri="{FF2B5EF4-FFF2-40B4-BE49-F238E27FC236}">
-                <a16:creationId xmlns:a16="http://schemas.microsoft.com/office/drawing/2014/main" id="{2E486A7C-B574-B042-9558-E0ADE929AE84}"/>
+                <a16:creationId xmlns:a16="http://schemas.microsoft.com/office/drawing/2014/main" id="{E8F1487F-A013-5B4D-A058-6AF3A7BE2F22}"/>
               </a:ext>
             </a:extLst>
           </p:cNvPr>
@@ -6693,18 +6757,19 @@
           <a:p>
             <a:pPr algn="ctr"/>
             <a:r>
-              <a:rPr lang="en-US" sz="5700" dirty="0"/>
-              <a:t>Violent crime vs. income</a:t>
-            </a:r>
-          </a:p>
-        </p:txBody>
-      </p:sp>
-      <p:sp>
-        <p:nvSpPr>
-          <p:cNvPr id="8" name="Text Placeholder 7">
+              <a:rPr lang="en-US" sz="4400" dirty="0" err="1"/>
+              <a:t>discoverables</a:t>
+            </a:r>
+            <a:endParaRPr lang="en-US" sz="4400" dirty="0"/>
+          </a:p>
+        </p:txBody>
+      </p:sp>
+      <p:sp>
+        <p:nvSpPr>
+          <p:cNvPr id="3" name="Content Placeholder 2">
             <a:extLst>
               <a:ext uri="{FF2B5EF4-FFF2-40B4-BE49-F238E27FC236}">
-                <a16:creationId xmlns:a16="http://schemas.microsoft.com/office/drawing/2014/main" id="{85D8EF65-A711-5E46-B796-6E848113B855}"/>
+                <a16:creationId xmlns:a16="http://schemas.microsoft.com/office/drawing/2014/main" id="{DD69112B-5A8C-AD49-A7F1-0065D077833D}"/>
               </a:ext>
             </a:extLst>
           </p:cNvPr>
@@ -6712,123 +6777,50 @@
             <a:spLocks noGrp="1"/>
           </p:cNvSpPr>
           <p:nvPr>
-            <p:ph type="body" idx="1"/>
-          </p:nvPr>
-        </p:nvSpPr>
-        <p:spPr>
-          <a:xfrm>
-            <a:off x="685801" y="2218267"/>
-            <a:ext cx="4996923" cy="576262"/>
-          </a:xfrm>
-        </p:spPr>
-        <p:txBody>
-          <a:bodyPr/>
-          <a:lstStyle/>
-          <a:p>
-            <a:pPr algn="ctr"/>
-            <a:r>
-              <a:rPr lang="en-US" dirty="0"/>
-              <a:t>Bar Graph</a:t>
-            </a:r>
-          </a:p>
-        </p:txBody>
-      </p:sp>
-      <p:pic>
-        <p:nvPicPr>
-          <p:cNvPr id="3" name="Content Placeholder 2">
-            <a:extLst>
-              <a:ext uri="{FF2B5EF4-FFF2-40B4-BE49-F238E27FC236}">
-                <a16:creationId xmlns:a16="http://schemas.microsoft.com/office/drawing/2014/main" id="{6DBA125F-E696-244F-A7B8-698DD68A65E7}"/>
-              </a:ext>
-            </a:extLst>
-          </p:cNvPr>
-          <p:cNvPicPr>
-            <a:picLocks noGrp="1" noChangeAspect="1"/>
-          </p:cNvPicPr>
-          <p:nvPr>
-            <p:ph sz="half" idx="2"/>
-          </p:nvPr>
-        </p:nvPicPr>
-        <p:blipFill>
-          <a:blip r:embed="rId2"/>
-          <a:stretch>
-            <a:fillRect/>
-          </a:stretch>
-        </p:blipFill>
-        <p:spPr>
-          <a:xfrm>
-            <a:off x="993775" y="2870200"/>
-            <a:ext cx="4381500" cy="2921000"/>
-          </a:xfrm>
-        </p:spPr>
-      </p:pic>
-      <p:sp>
-        <p:nvSpPr>
-          <p:cNvPr id="10" name="Text Placeholder 9">
-            <a:extLst>
-              <a:ext uri="{FF2B5EF4-FFF2-40B4-BE49-F238E27FC236}">
-                <a16:creationId xmlns:a16="http://schemas.microsoft.com/office/drawing/2014/main" id="{5B608162-3589-0443-8F9E-25DD4E6A5BC8}"/>
-              </a:ext>
-            </a:extLst>
-          </p:cNvPr>
-          <p:cNvSpPr>
-            <a:spLocks noGrp="1"/>
-          </p:cNvSpPr>
-          <p:nvPr>
-            <p:ph type="body" sz="quarter" idx="3"/>
-          </p:nvPr>
-        </p:nvSpPr>
-        <p:spPr>
-          <a:xfrm>
-            <a:off x="5821895" y="2226734"/>
-            <a:ext cx="4996922" cy="576262"/>
-          </a:xfrm>
-        </p:spPr>
-        <p:txBody>
-          <a:bodyPr/>
-          <a:lstStyle/>
-          <a:p>
-            <a:pPr algn="ctr"/>
-            <a:r>
-              <a:rPr lang="en-US" dirty="0"/>
-              <a:t>Scatter Plot</a:t>
-            </a:r>
-          </a:p>
-        </p:txBody>
-      </p:sp>
-      <p:pic>
-        <p:nvPicPr>
-          <p:cNvPr id="5" name="Content Placeholder 4">
-            <a:extLst>
-              <a:ext uri="{FF2B5EF4-FFF2-40B4-BE49-F238E27FC236}">
-                <a16:creationId xmlns:a16="http://schemas.microsoft.com/office/drawing/2014/main" id="{E554EF8E-BDFA-454D-AF68-4EBB3332C83C}"/>
-              </a:ext>
-            </a:extLst>
-          </p:cNvPr>
-          <p:cNvPicPr>
-            <a:picLocks noGrp="1" noChangeAspect="1"/>
-          </p:cNvPicPr>
-          <p:nvPr>
-            <p:ph sz="quarter" idx="4"/>
-          </p:nvPr>
-        </p:nvPicPr>
-        <p:blipFill>
-          <a:blip r:embed="rId3"/>
-          <a:stretch>
-            <a:fillRect/>
-          </a:stretch>
-        </p:blipFill>
-        <p:spPr>
-          <a:xfrm>
-            <a:off x="6130131" y="2870200"/>
-            <a:ext cx="4381500" cy="2921000"/>
-          </a:xfrm>
-        </p:spPr>
-      </p:pic>
+            <p:ph idx="1"/>
+          </p:nvPr>
+        </p:nvSpPr>
+        <p:spPr>
+          <a:xfrm>
+            <a:off x="685801" y="1784195"/>
+            <a:ext cx="10131425" cy="4605454"/>
+          </a:xfrm>
+        </p:spPr>
+        <p:txBody>
+          <a:bodyPr>
+            <a:noAutofit/>
+          </a:bodyPr>
+          <a:lstStyle/>
+          <a:p>
+            <a:r>
+              <a:rPr lang="en-US" sz="1900" dirty="0"/>
+              <a:t>1.    It is often assumed that violent crime is associated with a lack of education, causing perpetrators to venture outside of normal social and legal constructs and inflict harm on others. Is there a direct correlation between violent crime rate and high school graduation rate over the span of so many years?</a:t>
+            </a:r>
+          </a:p>
+          <a:p>
+            <a:r>
+              <a:rPr lang="en-US" sz="1900" dirty="0"/>
+              <a:t>2.    There has also been a school of thought that perhaps offenders commit violent crimes because jobs and access to income are limited or altogether out of reach. Does higher income yield lower violent crime?</a:t>
+            </a:r>
+          </a:p>
+          <a:p>
+            <a:r>
+              <a:rPr lang="en-US" sz="1900" dirty="0"/>
+              <a:t>3.    Now surely we all have heard that the higher the poverty rate, the higher the crime rate. How accurate is the hearsay? Is high poverty in a city associated with high violent crime rate? If the poverty level decreases, can we prove that violent crime rate does as well?</a:t>
+            </a:r>
+          </a:p>
+          <a:p>
+            <a:r>
+              <a:rPr lang="en-US" sz="1900" dirty="0"/>
+              <a:t>4.    Well, clearly, crime stands on its own and perpetrators are not swayed by any of the aforementioned factors. Can we find consolation in a correlation between graduation rates and household median income despite the consistency of violent crime in the observed areas? </a:t>
+            </a:r>
+          </a:p>
+        </p:txBody>
+      </p:sp>
     </p:spTree>
     <p:extLst>
       <p:ext uri="{BB962C8B-B14F-4D97-AF65-F5344CB8AC3E}">
-        <p14:creationId xmlns:p14="http://schemas.microsoft.com/office/powerpoint/2010/main" val="1434132859"/>
+        <p14:creationId xmlns:p14="http://schemas.microsoft.com/office/powerpoint/2010/main" val="1230473297"/>
       </p:ext>
     </p:extLst>
   </p:cSld>
@@ -6857,10 +6849,10 @@
       </p:grpSpPr>
       <p:sp>
         <p:nvSpPr>
-          <p:cNvPr id="7" name="Title 6">
+          <p:cNvPr id="4" name="Title 3">
             <a:extLst>
               <a:ext uri="{FF2B5EF4-FFF2-40B4-BE49-F238E27FC236}">
-                <a16:creationId xmlns:a16="http://schemas.microsoft.com/office/drawing/2014/main" id="{BAB64E99-7914-7B43-A072-BB76A48C595C}"/>
+                <a16:creationId xmlns:a16="http://schemas.microsoft.com/office/drawing/2014/main" id="{A64BD7B4-6983-EF4C-B4F5-B947D4DF35AF}"/>
               </a:ext>
             </a:extLst>
           </p:cNvPr>
@@ -6871,27 +6863,32 @@
             <p:ph type="title"/>
           </p:nvPr>
         </p:nvSpPr>
-        <p:spPr/>
+        <p:spPr>
+          <a:xfrm>
+            <a:off x="111512" y="609600"/>
+            <a:ext cx="11954108" cy="1456267"/>
+          </a:xfrm>
+        </p:spPr>
         <p:txBody>
           <a:bodyPr>
-            <a:normAutofit/>
+            <a:noAutofit/>
           </a:bodyPr>
           <a:lstStyle/>
           <a:p>
             <a:pPr algn="ctr"/>
             <a:r>
               <a:rPr lang="en-US" sz="5400" dirty="0"/>
-              <a:t>Violent crime vs. poverty rate</a:t>
-            </a:r>
-          </a:p>
-        </p:txBody>
-      </p:sp>
-      <p:sp>
-        <p:nvSpPr>
-          <p:cNvPr id="8" name="Text Placeholder 7">
+              <a:t>Violent crime vs. graduation rates</a:t>
+            </a:r>
+          </a:p>
+        </p:txBody>
+      </p:sp>
+      <p:sp>
+        <p:nvSpPr>
+          <p:cNvPr id="5" name="Text Placeholder 4">
             <a:extLst>
               <a:ext uri="{FF2B5EF4-FFF2-40B4-BE49-F238E27FC236}">
-                <a16:creationId xmlns:a16="http://schemas.microsoft.com/office/drawing/2014/main" id="{57659551-F6F2-394F-8562-4235BFA49B8E}"/>
+                <a16:creationId xmlns:a16="http://schemas.microsoft.com/office/drawing/2014/main" id="{81811B6A-4626-5943-A021-0502CBD9B0E2}"/>
               </a:ext>
             </a:extLst>
           </p:cNvPr>
@@ -6904,8 +6901,8 @@
         </p:nvSpPr>
         <p:spPr>
           <a:xfrm>
-            <a:off x="685801" y="2218267"/>
-            <a:ext cx="4996923" cy="576262"/>
+            <a:off x="685801" y="2226734"/>
+            <a:ext cx="4996922" cy="576262"/>
           </a:xfrm>
         </p:spPr>
         <p:txBody>
@@ -6925,7 +6922,7 @@
           <p:cNvPr id="3" name="Content Placeholder 2">
             <a:extLst>
               <a:ext uri="{FF2B5EF4-FFF2-40B4-BE49-F238E27FC236}">
-                <a16:creationId xmlns:a16="http://schemas.microsoft.com/office/drawing/2014/main" id="{AFF27548-A89A-7C49-A73C-5099E9AAC92E}"/>
+                <a16:creationId xmlns:a16="http://schemas.microsoft.com/office/drawing/2014/main" id="{77617161-7059-F548-BEFC-BEBC2203DE97}"/>
               </a:ext>
             </a:extLst>
           </p:cNvPr>
@@ -6944,17 +6941,17 @@
         </p:blipFill>
         <p:spPr>
           <a:xfrm>
-            <a:off x="993775" y="2870200"/>
-            <a:ext cx="4381500" cy="2921000"/>
+            <a:off x="6129604" y="2870199"/>
+            <a:ext cx="4689211" cy="2921000"/>
           </a:xfrm>
         </p:spPr>
       </p:pic>
       <p:sp>
         <p:nvSpPr>
-          <p:cNvPr id="10" name="Text Placeholder 9">
+          <p:cNvPr id="7" name="Text Placeholder 6">
             <a:extLst>
               <a:ext uri="{FF2B5EF4-FFF2-40B4-BE49-F238E27FC236}">
-                <a16:creationId xmlns:a16="http://schemas.microsoft.com/office/drawing/2014/main" id="{B8D49F98-4661-3B4E-99A4-A6391DCDE49F}"/>
+                <a16:creationId xmlns:a16="http://schemas.microsoft.com/office/drawing/2014/main" id="{99E06AB4-69C0-D045-9164-7556621997F6}"/>
               </a:ext>
             </a:extLst>
           </p:cNvPr>
@@ -6967,8 +6964,8 @@
         </p:nvSpPr>
         <p:spPr>
           <a:xfrm>
-            <a:off x="5821895" y="2226734"/>
-            <a:ext cx="4996922" cy="576262"/>
+            <a:off x="5975748" y="2226734"/>
+            <a:ext cx="4996921" cy="576262"/>
           </a:xfrm>
         </p:spPr>
         <p:txBody>
@@ -6985,10 +6982,10 @@
       </p:sp>
       <p:pic>
         <p:nvPicPr>
-          <p:cNvPr id="5" name="Content Placeholder 4">
+          <p:cNvPr id="10" name="Content Placeholder 9">
             <a:extLst>
               <a:ext uri="{FF2B5EF4-FFF2-40B4-BE49-F238E27FC236}">
-                <a16:creationId xmlns:a16="http://schemas.microsoft.com/office/drawing/2014/main" id="{997346AA-1968-DD46-A7B7-591D2C8A012C}"/>
+                <a16:creationId xmlns:a16="http://schemas.microsoft.com/office/drawing/2014/main" id="{77BADF47-899B-F743-847B-484F21B0176F}"/>
               </a:ext>
             </a:extLst>
           </p:cNvPr>
@@ -7007,7 +7004,7 @@
         </p:blipFill>
         <p:spPr>
           <a:xfrm>
-            <a:off x="6130131" y="2870200"/>
+            <a:off x="992981" y="2870200"/>
             <a:ext cx="4381500" cy="2921000"/>
           </a:xfrm>
         </p:spPr>
@@ -7015,7 +7012,7 @@
     </p:spTree>
     <p:extLst>
       <p:ext uri="{BB962C8B-B14F-4D97-AF65-F5344CB8AC3E}">
-        <p14:creationId xmlns:p14="http://schemas.microsoft.com/office/powerpoint/2010/main" val="1760039113"/>
+        <p14:creationId xmlns:p14="http://schemas.microsoft.com/office/powerpoint/2010/main" val="339572821"/>
       </p:ext>
     </p:extLst>
   </p:cSld>
@@ -7044,10 +7041,10 @@
       </p:grpSpPr>
       <p:sp>
         <p:nvSpPr>
-          <p:cNvPr id="2" name="Title 1">
+          <p:cNvPr id="7" name="Title 6">
             <a:extLst>
               <a:ext uri="{FF2B5EF4-FFF2-40B4-BE49-F238E27FC236}">
-                <a16:creationId xmlns:a16="http://schemas.microsoft.com/office/drawing/2014/main" id="{08B24A45-2AA5-2E43-98C4-7BCAC4708C25}"/>
+                <a16:creationId xmlns:a16="http://schemas.microsoft.com/office/drawing/2014/main" id="{2E486A7C-B574-B042-9558-E0ADE929AE84}"/>
               </a:ext>
             </a:extLst>
           </p:cNvPr>
@@ -7061,24 +7058,24 @@
         <p:spPr/>
         <p:txBody>
           <a:bodyPr>
-            <a:noAutofit/>
+            <a:normAutofit/>
           </a:bodyPr>
           <a:lstStyle/>
           <a:p>
             <a:pPr algn="ctr"/>
             <a:r>
               <a:rPr lang="en-US" sz="5700" dirty="0"/>
-              <a:t>Graduation rates vs. income</a:t>
-            </a:r>
-          </a:p>
-        </p:txBody>
-      </p:sp>
-      <p:sp>
-        <p:nvSpPr>
-          <p:cNvPr id="3" name="Text Placeholder 2">
+              <a:t>Violent crime vs. income</a:t>
+            </a:r>
+          </a:p>
+        </p:txBody>
+      </p:sp>
+      <p:sp>
+        <p:nvSpPr>
+          <p:cNvPr id="8" name="Text Placeholder 7">
             <a:extLst>
               <a:ext uri="{FF2B5EF4-FFF2-40B4-BE49-F238E27FC236}">
-                <a16:creationId xmlns:a16="http://schemas.microsoft.com/office/drawing/2014/main" id="{B8ADA3EA-D40A-9F4A-A0F4-85A4D6BDE5F4}"/>
+                <a16:creationId xmlns:a16="http://schemas.microsoft.com/office/drawing/2014/main" id="{85D8EF65-A711-5E46-B796-6E848113B855}"/>
               </a:ext>
             </a:extLst>
           </p:cNvPr>
@@ -7107,40 +7104,41 @@
           </a:p>
         </p:txBody>
       </p:sp>
-      <p:sp>
-        <p:nvSpPr>
-          <p:cNvPr id="4" name="Content Placeholder 3">
+      <p:pic>
+        <p:nvPicPr>
+          <p:cNvPr id="3" name="Content Placeholder 2">
             <a:extLst>
               <a:ext uri="{FF2B5EF4-FFF2-40B4-BE49-F238E27FC236}">
-                <a16:creationId xmlns:a16="http://schemas.microsoft.com/office/drawing/2014/main" id="{097780F7-226D-B84A-B8D4-31E1DAACB5CA}"/>
+                <a16:creationId xmlns:a16="http://schemas.microsoft.com/office/drawing/2014/main" id="{6DBA125F-E696-244F-A7B8-698DD68A65E7}"/>
               </a:ext>
             </a:extLst>
           </p:cNvPr>
-          <p:cNvSpPr>
-            <a:spLocks noGrp="1"/>
-          </p:cNvSpPr>
+          <p:cNvPicPr>
+            <a:picLocks noGrp="1" noChangeAspect="1"/>
+          </p:cNvPicPr>
           <p:nvPr>
             <p:ph sz="half" idx="2"/>
           </p:nvPr>
-        </p:nvSpPr>
-        <p:spPr/>
-        <p:txBody>
-          <a:bodyPr/>
-          <a:lstStyle/>
-          <a:p>
-            <a:pPr marL="0" indent="0">
-              <a:buNone/>
-            </a:pPr>
-            <a:endParaRPr lang="en-US" dirty="0"/>
-          </a:p>
-        </p:txBody>
-      </p:sp>
-      <p:sp>
-        <p:nvSpPr>
-          <p:cNvPr id="5" name="Text Placeholder 4">
+        </p:nvPicPr>
+        <p:blipFill>
+          <a:blip r:embed="rId2"/>
+          <a:stretch>
+            <a:fillRect/>
+          </a:stretch>
+        </p:blipFill>
+        <p:spPr>
+          <a:xfrm>
+            <a:off x="993775" y="2870200"/>
+            <a:ext cx="4381500" cy="2921000"/>
+          </a:xfrm>
+        </p:spPr>
+      </p:pic>
+      <p:sp>
+        <p:nvSpPr>
+          <p:cNvPr id="10" name="Text Placeholder 9">
             <a:extLst>
               <a:ext uri="{FF2B5EF4-FFF2-40B4-BE49-F238E27FC236}">
-                <a16:creationId xmlns:a16="http://schemas.microsoft.com/office/drawing/2014/main" id="{214120AB-0E31-7043-9837-3CF5655AA99D}"/>
+                <a16:creationId xmlns:a16="http://schemas.microsoft.com/office/drawing/2014/main" id="{5B608162-3589-0443-8F9E-25DD4E6A5BC8}"/>
               </a:ext>
             </a:extLst>
           </p:cNvPr>
@@ -7169,38 +7167,39 @@
           </a:p>
         </p:txBody>
       </p:sp>
-      <p:sp>
-        <p:nvSpPr>
-          <p:cNvPr id="6" name="Content Placeholder 5">
+      <p:pic>
+        <p:nvPicPr>
+          <p:cNvPr id="5" name="Content Placeholder 4">
             <a:extLst>
               <a:ext uri="{FF2B5EF4-FFF2-40B4-BE49-F238E27FC236}">
-                <a16:creationId xmlns:a16="http://schemas.microsoft.com/office/drawing/2014/main" id="{F545F001-6ED5-DC4B-BD9D-4E09091BD109}"/>
+                <a16:creationId xmlns:a16="http://schemas.microsoft.com/office/drawing/2014/main" id="{E554EF8E-BDFA-454D-AF68-4EBB3332C83C}"/>
               </a:ext>
             </a:extLst>
           </p:cNvPr>
-          <p:cNvSpPr>
-            <a:spLocks noGrp="1"/>
-          </p:cNvSpPr>
+          <p:cNvPicPr>
+            <a:picLocks noGrp="1" noChangeAspect="1"/>
+          </p:cNvPicPr>
           <p:nvPr>
             <p:ph sz="quarter" idx="4"/>
           </p:nvPr>
-        </p:nvSpPr>
-        <p:spPr/>
-        <p:txBody>
-          <a:bodyPr/>
-          <a:lstStyle/>
-          <a:p>
-            <a:pPr marL="0" indent="0">
-              <a:buNone/>
-            </a:pPr>
-            <a:endParaRPr lang="en-US" dirty="0"/>
-          </a:p>
-        </p:txBody>
-      </p:sp>
+        </p:nvPicPr>
+        <p:blipFill>
+          <a:blip r:embed="rId3"/>
+          <a:stretch>
+            <a:fillRect/>
+          </a:stretch>
+        </p:blipFill>
+        <p:spPr>
+          <a:xfrm>
+            <a:off x="6130131" y="2870200"/>
+            <a:ext cx="4381500" cy="2921000"/>
+          </a:xfrm>
+        </p:spPr>
+      </p:pic>
     </p:spTree>
     <p:extLst>
       <p:ext uri="{BB962C8B-B14F-4D97-AF65-F5344CB8AC3E}">
-        <p14:creationId xmlns:p14="http://schemas.microsoft.com/office/powerpoint/2010/main" val="4056576814"/>
+        <p14:creationId xmlns:p14="http://schemas.microsoft.com/office/powerpoint/2010/main" val="1434132859"/>
       </p:ext>
     </p:extLst>
   </p:cSld>
@@ -7229,10 +7228,10 @@
       </p:grpSpPr>
       <p:sp>
         <p:nvSpPr>
-          <p:cNvPr id="9" name="Title 8">
+          <p:cNvPr id="7" name="Title 6">
             <a:extLst>
               <a:ext uri="{FF2B5EF4-FFF2-40B4-BE49-F238E27FC236}">
-                <a16:creationId xmlns:a16="http://schemas.microsoft.com/office/drawing/2014/main" id="{0CFCCFBC-E438-3142-81EC-28CC82BE95DF}"/>
+                <a16:creationId xmlns:a16="http://schemas.microsoft.com/office/drawing/2014/main" id="{BAB64E99-7914-7B43-A072-BB76A48C595C}"/>
               </a:ext>
             </a:extLst>
           </p:cNvPr>
@@ -7245,19 +7244,25 @@
         </p:nvSpPr>
         <p:spPr/>
         <p:txBody>
-          <a:bodyPr/>
-          <a:lstStyle/>
-          <a:p>
-            <a:endParaRPr lang="en-US"/>
-          </a:p>
-        </p:txBody>
-      </p:sp>
-      <p:sp>
-        <p:nvSpPr>
-          <p:cNvPr id="10" name="Content Placeholder 9">
+          <a:bodyPr>
+            <a:normAutofit/>
+          </a:bodyPr>
+          <a:lstStyle/>
+          <a:p>
+            <a:pPr algn="ctr"/>
+            <a:r>
+              <a:rPr lang="en-US" sz="5400" dirty="0"/>
+              <a:t>Violent crime vs. poverty rate</a:t>
+            </a:r>
+          </a:p>
+        </p:txBody>
+      </p:sp>
+      <p:sp>
+        <p:nvSpPr>
+          <p:cNvPr id="8" name="Text Placeholder 7">
             <a:extLst>
               <a:ext uri="{FF2B5EF4-FFF2-40B4-BE49-F238E27FC236}">
-                <a16:creationId xmlns:a16="http://schemas.microsoft.com/office/drawing/2014/main" id="{4CB2B59E-4E82-6F4A-A024-CC2C95926476}"/>
+                <a16:creationId xmlns:a16="http://schemas.microsoft.com/office/drawing/2014/main" id="{57659551-F6F2-394F-8562-4235BFA49B8E}"/>
               </a:ext>
             </a:extLst>
           </p:cNvPr>
@@ -7265,22 +7270,123 @@
             <a:spLocks noGrp="1"/>
           </p:cNvSpPr>
           <p:nvPr>
-            <p:ph idx="1"/>
-          </p:nvPr>
-        </p:nvSpPr>
-        <p:spPr/>
+            <p:ph type="body" idx="1"/>
+          </p:nvPr>
+        </p:nvSpPr>
+        <p:spPr>
+          <a:xfrm>
+            <a:off x="685801" y="2218267"/>
+            <a:ext cx="4996923" cy="576262"/>
+          </a:xfrm>
+        </p:spPr>
         <p:txBody>
           <a:bodyPr/>
           <a:lstStyle/>
           <a:p>
-            <a:endParaRPr lang="en-US"/>
-          </a:p>
-        </p:txBody>
-      </p:sp>
+            <a:pPr algn="ctr"/>
+            <a:r>
+              <a:rPr lang="en-US" dirty="0"/>
+              <a:t>Bar Graph</a:t>
+            </a:r>
+          </a:p>
+        </p:txBody>
+      </p:sp>
+      <p:pic>
+        <p:nvPicPr>
+          <p:cNvPr id="3" name="Content Placeholder 2">
+            <a:extLst>
+              <a:ext uri="{FF2B5EF4-FFF2-40B4-BE49-F238E27FC236}">
+                <a16:creationId xmlns:a16="http://schemas.microsoft.com/office/drawing/2014/main" id="{AFF27548-A89A-7C49-A73C-5099E9AAC92E}"/>
+              </a:ext>
+            </a:extLst>
+          </p:cNvPr>
+          <p:cNvPicPr>
+            <a:picLocks noGrp="1" noChangeAspect="1"/>
+          </p:cNvPicPr>
+          <p:nvPr>
+            <p:ph sz="half" idx="2"/>
+          </p:nvPr>
+        </p:nvPicPr>
+        <p:blipFill>
+          <a:blip r:embed="rId2"/>
+          <a:stretch>
+            <a:fillRect/>
+          </a:stretch>
+        </p:blipFill>
+        <p:spPr>
+          <a:xfrm>
+            <a:off x="993775" y="2870200"/>
+            <a:ext cx="4381500" cy="2921000"/>
+          </a:xfrm>
+        </p:spPr>
+      </p:pic>
+      <p:sp>
+        <p:nvSpPr>
+          <p:cNvPr id="10" name="Text Placeholder 9">
+            <a:extLst>
+              <a:ext uri="{FF2B5EF4-FFF2-40B4-BE49-F238E27FC236}">
+                <a16:creationId xmlns:a16="http://schemas.microsoft.com/office/drawing/2014/main" id="{B8D49F98-4661-3B4E-99A4-A6391DCDE49F}"/>
+              </a:ext>
+            </a:extLst>
+          </p:cNvPr>
+          <p:cNvSpPr>
+            <a:spLocks noGrp="1"/>
+          </p:cNvSpPr>
+          <p:nvPr>
+            <p:ph type="body" sz="quarter" idx="3"/>
+          </p:nvPr>
+        </p:nvSpPr>
+        <p:spPr>
+          <a:xfrm>
+            <a:off x="5821895" y="2226734"/>
+            <a:ext cx="4996922" cy="576262"/>
+          </a:xfrm>
+        </p:spPr>
+        <p:txBody>
+          <a:bodyPr/>
+          <a:lstStyle/>
+          <a:p>
+            <a:pPr algn="ctr"/>
+            <a:r>
+              <a:rPr lang="en-US" dirty="0"/>
+              <a:t>Scatter Plot</a:t>
+            </a:r>
+          </a:p>
+        </p:txBody>
+      </p:sp>
+      <p:pic>
+        <p:nvPicPr>
+          <p:cNvPr id="5" name="Content Placeholder 4">
+            <a:extLst>
+              <a:ext uri="{FF2B5EF4-FFF2-40B4-BE49-F238E27FC236}">
+                <a16:creationId xmlns:a16="http://schemas.microsoft.com/office/drawing/2014/main" id="{997346AA-1968-DD46-A7B7-591D2C8A012C}"/>
+              </a:ext>
+            </a:extLst>
+          </p:cNvPr>
+          <p:cNvPicPr>
+            <a:picLocks noGrp="1" noChangeAspect="1"/>
+          </p:cNvPicPr>
+          <p:nvPr>
+            <p:ph sz="quarter" idx="4"/>
+          </p:nvPr>
+        </p:nvPicPr>
+        <p:blipFill>
+          <a:blip r:embed="rId3"/>
+          <a:stretch>
+            <a:fillRect/>
+          </a:stretch>
+        </p:blipFill>
+        <p:spPr>
+          <a:xfrm>
+            <a:off x="6130131" y="2870200"/>
+            <a:ext cx="4381500" cy="2921000"/>
+          </a:xfrm>
+        </p:spPr>
+      </p:pic>
     </p:spTree>
     <p:extLst>
       <p:ext uri="{BB962C8B-B14F-4D97-AF65-F5344CB8AC3E}">
-        <p14:creationId xmlns:p14="http://schemas.microsoft.com/office/powerpoint/2010/main" val="2397051229"/>
+        <p14:creationId xmlns:p14="http://schemas.microsoft.com/office/powerpoint/2010/main" val="1760039113"/>
       </p:ext>
     </p:extLst>
   </p:cSld>

--- a/Project1Presentation.pptx
+++ b/Project1Presentation.pptx
@@ -5990,68 +5990,35 @@
           </a:p>
         </p:txBody>
       </p:sp>
-      <p:sp>
-        <p:nvSpPr>
-          <p:cNvPr id="3" name="Text Placeholder 2">
+      <p:pic>
+        <p:nvPicPr>
+          <p:cNvPr id="8" name="Content Placeholder 7">
             <a:extLst>
               <a:ext uri="{FF2B5EF4-FFF2-40B4-BE49-F238E27FC236}">
-                <a16:creationId xmlns:a16="http://schemas.microsoft.com/office/drawing/2014/main" id="{B8ADA3EA-D40A-9F4A-A0F4-85A4D6BDE5F4}"/>
+                <a16:creationId xmlns:a16="http://schemas.microsoft.com/office/drawing/2014/main" id="{341D9034-3833-1642-A66E-568537C0A6A9}"/>
               </a:ext>
             </a:extLst>
           </p:cNvPr>
-          <p:cNvSpPr>
-            <a:spLocks noGrp="1"/>
-          </p:cNvSpPr>
-          <p:nvPr>
-            <p:ph type="body" idx="1"/>
-          </p:nvPr>
-        </p:nvSpPr>
-        <p:spPr>
-          <a:xfrm>
-            <a:off x="685801" y="2218267"/>
-            <a:ext cx="4996923" cy="576262"/>
-          </a:xfrm>
-        </p:spPr>
-        <p:txBody>
-          <a:bodyPr/>
-          <a:lstStyle/>
-          <a:p>
-            <a:pPr algn="ctr"/>
-            <a:r>
-              <a:rPr lang="en-US" dirty="0"/>
-              <a:t>Bar Graph</a:t>
-            </a:r>
-          </a:p>
-        </p:txBody>
-      </p:sp>
-      <p:sp>
-        <p:nvSpPr>
-          <p:cNvPr id="4" name="Content Placeholder 3">
-            <a:extLst>
-              <a:ext uri="{FF2B5EF4-FFF2-40B4-BE49-F238E27FC236}">
-                <a16:creationId xmlns:a16="http://schemas.microsoft.com/office/drawing/2014/main" id="{097780F7-226D-B84A-B8D4-31E1DAACB5CA}"/>
-              </a:ext>
-            </a:extLst>
-          </p:cNvPr>
-          <p:cNvSpPr>
-            <a:spLocks noGrp="1"/>
-          </p:cNvSpPr>
+          <p:cNvPicPr>
+            <a:picLocks noGrp="1" noChangeAspect="1"/>
+          </p:cNvPicPr>
           <p:nvPr>
             <p:ph sz="half" idx="2"/>
           </p:nvPr>
-        </p:nvSpPr>
-        <p:spPr/>
-        <p:txBody>
-          <a:bodyPr/>
-          <a:lstStyle/>
-          <a:p>
-            <a:pPr marL="0" indent="0">
-              <a:buNone/>
-            </a:pPr>
-            <a:endParaRPr lang="en-US" dirty="0"/>
-          </a:p>
-        </p:txBody>
-      </p:sp>
+        </p:nvPicPr>
+        <p:blipFill>
+          <a:blip r:embed="rId2"/>
+          <a:stretch>
+            <a:fillRect/>
+          </a:stretch>
+        </p:blipFill>
+        <p:spPr>
+          <a:xfrm flipV="1">
+            <a:off x="685800" y="5798754"/>
+            <a:ext cx="46038" cy="30930"/>
+          </a:xfrm>
+        </p:spPr>
+      </p:pic>
       <p:sp>
         <p:nvSpPr>
           <p:cNvPr id="5" name="Text Placeholder 4">
@@ -6070,7 +6037,7 @@
         </p:nvSpPr>
         <p:spPr>
           <a:xfrm>
-            <a:off x="5821895" y="2226734"/>
+            <a:off x="2963121" y="2065867"/>
             <a:ext cx="4996922" cy="576262"/>
           </a:xfrm>
         </p:spPr>
@@ -6086,34 +6053,35 @@
           </a:p>
         </p:txBody>
       </p:sp>
-      <p:sp>
-        <p:nvSpPr>
-          <p:cNvPr id="6" name="Content Placeholder 5">
+      <p:pic>
+        <p:nvPicPr>
+          <p:cNvPr id="10" name="Content Placeholder 9">
             <a:extLst>
               <a:ext uri="{FF2B5EF4-FFF2-40B4-BE49-F238E27FC236}">
-                <a16:creationId xmlns:a16="http://schemas.microsoft.com/office/drawing/2014/main" id="{F545F001-6ED5-DC4B-BD9D-4E09091BD109}"/>
+                <a16:creationId xmlns:a16="http://schemas.microsoft.com/office/drawing/2014/main" id="{DC4148AB-E5AF-6F49-9004-7FCEB6BDCAB6}"/>
               </a:ext>
             </a:extLst>
           </p:cNvPr>
-          <p:cNvSpPr>
-            <a:spLocks noGrp="1"/>
-          </p:cNvSpPr>
+          <p:cNvPicPr>
+            <a:picLocks noGrp="1" noChangeAspect="1"/>
+          </p:cNvPicPr>
           <p:nvPr>
             <p:ph sz="quarter" idx="4"/>
           </p:nvPr>
-        </p:nvSpPr>
-        <p:spPr/>
-        <p:txBody>
-          <a:bodyPr/>
-          <a:lstStyle/>
-          <a:p>
-            <a:pPr marL="0" indent="0">
-              <a:buNone/>
-            </a:pPr>
-            <a:endParaRPr lang="en-US" dirty="0"/>
-          </a:p>
-        </p:txBody>
-      </p:sp>
+        </p:nvPicPr>
+        <p:blipFill>
+          <a:blip r:embed="rId2"/>
+          <a:stretch>
+            <a:fillRect/>
+          </a:stretch>
+        </p:blipFill>
+        <p:spPr>
+          <a:xfrm>
+            <a:off x="2655492" y="2793444"/>
+            <a:ext cx="5612180" cy="3770489"/>
+          </a:xfrm>
+        </p:spPr>
+      </p:pic>
     </p:spTree>
     <p:extLst>
       <p:ext uri="{BB962C8B-B14F-4D97-AF65-F5344CB8AC3E}">
@@ -6689,15 +6657,7 @@
           <a:p>
             <a:r>
               <a:rPr lang="en-US" dirty="0"/>
-              <a:t>Our null hypothesis is as follows: Violent crime is </a:t>
-            </a:r>
-            <a:r>
-              <a:rPr lang="en-US"/>
-              <a:t>not statistically related </a:t>
-            </a:r>
-            <a:r>
-              <a:rPr lang="en-US" dirty="0"/>
-              <a:t>to an increase or decrease in factors like graduation rates, income, or poverty rate. </a:t>
+              <a:t>Our null hypothesis is as follows: Violent crime is not statistically related to an increase or decrease in factors like graduation rates, income, or poverty rate. </a:t>
             </a:r>
           </a:p>
         </p:txBody>

--- a/Project1Presentation.pptx
+++ b/Project1Presentation.pptx
@@ -6137,7 +6137,7 @@
           <a:p>
             <a:pPr algn="ctr"/>
             <a:r>
-              <a:rPr lang="en-US" sz="4800" dirty="0"/>
+              <a:rPr lang="en-US" sz="5400" dirty="0"/>
               <a:t>Results by comparison</a:t>
             </a:r>
           </a:p>
@@ -6161,10 +6161,33 @@
         </p:nvSpPr>
         <p:spPr/>
         <p:txBody>
-          <a:bodyPr/>
-          <a:lstStyle/>
-          <a:p>
-            <a:endParaRPr lang="en-US"/>
+          <a:bodyPr>
+            <a:normAutofit/>
+          </a:bodyPr>
+          <a:lstStyle/>
+          <a:p>
+            <a:r>
+              <a:rPr lang="en-US" sz="2400" dirty="0"/>
+              <a:t>Though high school graduation rates proved to have increased across the board, violent crime rate remained inconsistent and without pattern.</a:t>
+            </a:r>
+          </a:p>
+          <a:p>
+            <a:r>
+              <a:rPr lang="en-US" sz="2400" dirty="0"/>
+              <a:t>Though the level of poverty decreased rather significantly within the Five Cities, violent crime rate remained inconsistent and without pattern.</a:t>
+            </a:r>
+          </a:p>
+          <a:p>
+            <a:r>
+              <a:rPr lang="en-US" sz="2400" dirty="0"/>
+              <a:t>Though the working class earned greater income, the violent crime rate remained inconsistent and without pattern. </a:t>
+            </a:r>
+          </a:p>
+          <a:p>
+            <a:r>
+              <a:rPr lang="en-US" sz="2400" dirty="0"/>
+              <a:t>It is crystal clear that as the city’s high school graduation rate increased, so did the city’s median income. </a:t>
+            </a:r>
           </a:p>
         </p:txBody>
       </p:sp>
@@ -6198,6 +6221,79 @@
           <a:chExt cx="0" cy="0"/>
         </a:xfrm>
       </p:grpSpPr>
+      <p:sp>
+        <p:nvSpPr>
+          <p:cNvPr id="7" name="Title 6">
+            <a:extLst>
+              <a:ext uri="{FF2B5EF4-FFF2-40B4-BE49-F238E27FC236}">
+                <a16:creationId xmlns:a16="http://schemas.microsoft.com/office/drawing/2014/main" id="{07AF5C12-1D2A-E943-BE9F-8A8CDF0793DC}"/>
+              </a:ext>
+            </a:extLst>
+          </p:cNvPr>
+          <p:cNvSpPr>
+            <a:spLocks noGrp="1"/>
+          </p:cNvSpPr>
+          <p:nvPr>
+            <p:ph type="title"/>
+          </p:nvPr>
+        </p:nvSpPr>
+        <p:spPr/>
+        <p:txBody>
+          <a:bodyPr>
+            <a:normAutofit/>
+          </a:bodyPr>
+          <a:lstStyle/>
+          <a:p>
+            <a:pPr algn="ctr"/>
+            <a:r>
+              <a:rPr lang="en-US" sz="5400" dirty="0"/>
+              <a:t>Our conclusion</a:t>
+            </a:r>
+          </a:p>
+        </p:txBody>
+      </p:sp>
+      <p:sp>
+        <p:nvSpPr>
+          <p:cNvPr id="8" name="Content Placeholder 7">
+            <a:extLst>
+              <a:ext uri="{FF2B5EF4-FFF2-40B4-BE49-F238E27FC236}">
+                <a16:creationId xmlns:a16="http://schemas.microsoft.com/office/drawing/2014/main" id="{DCC58837-462A-D243-BBDE-EE0B175CF560}"/>
+              </a:ext>
+            </a:extLst>
+          </p:cNvPr>
+          <p:cNvSpPr>
+            <a:spLocks noGrp="1"/>
+          </p:cNvSpPr>
+          <p:nvPr>
+            <p:ph idx="1"/>
+          </p:nvPr>
+        </p:nvSpPr>
+        <p:spPr/>
+        <p:txBody>
+          <a:bodyPr>
+            <a:normAutofit/>
+          </a:bodyPr>
+          <a:lstStyle/>
+          <a:p>
+            <a:r>
+              <a:rPr lang="en-US" sz="2400" dirty="0"/>
+              <a:t>According to the data, there is no generalized relationship between violent crime rate and the societal factors examined. </a:t>
+            </a:r>
+          </a:p>
+          <a:p>
+            <a:r>
+              <a:rPr lang="en-US" sz="2400" dirty="0"/>
+              <a:t>The city variable has the strongest relationship of the other independent variables, according to the ANCOVA. Crime rate largely depends on the city and can not be compared from one city to the next. </a:t>
+            </a:r>
+          </a:p>
+          <a:p>
+            <a:r>
+              <a:rPr lang="en-US" sz="2400" dirty="0"/>
+              <a:t>Unfortunately, graduation rate, median income, and poverty rate do not play large factors in the violent crime rate. </a:t>
+            </a:r>
+          </a:p>
+        </p:txBody>
+      </p:sp>
     </p:spTree>
     <p:extLst>
       <p:ext uri="{BB962C8B-B14F-4D97-AF65-F5344CB8AC3E}">
@@ -6610,12 +6706,14 @@
         </p:nvSpPr>
         <p:spPr/>
         <p:txBody>
-          <a:bodyPr/>
+          <a:bodyPr>
+            <a:normAutofit/>
+          </a:bodyPr>
           <a:lstStyle/>
           <a:p>
             <a:pPr algn="ctr"/>
             <a:r>
-              <a:rPr lang="en-US" dirty="0"/>
+              <a:rPr lang="en-US" sz="4400" dirty="0"/>
               <a:t>Our Hypothesis and Null Hypothesis</a:t>
             </a:r>
           </a:p>
@@ -6637,26 +6735,33 @@
             <p:ph idx="1"/>
           </p:nvPr>
         </p:nvSpPr>
-        <p:spPr/>
-        <p:txBody>
-          <a:bodyPr/>
-          <a:lstStyle/>
-          <a:p>
-            <a:r>
-              <a:rPr lang="en-US" dirty="0"/>
+        <p:spPr>
+          <a:xfrm>
+            <a:off x="685801" y="2142067"/>
+            <a:ext cx="10131425" cy="3939419"/>
+          </a:xfrm>
+        </p:spPr>
+        <p:txBody>
+          <a:bodyPr>
+            <a:noAutofit/>
+          </a:bodyPr>
+          <a:lstStyle/>
+          <a:p>
+            <a:r>
+              <a:rPr lang="en-US" sz="2200" dirty="0"/>
               <a:t>If a city’s violent crime rate increases, there will be an inevitable drastic and economically devastating crash in population growth, graduation rate, and median income and a heart-wrenching increase in the city’s overall poverty level, widening the chasm that keeps us all from experiencing the utopian world peace that is so desperately desired. </a:t>
             </a:r>
           </a:p>
           <a:p>
             <a:pPr lvl="1"/>
             <a:r>
-              <a:rPr lang="en-US" dirty="0"/>
+              <a:rPr lang="en-US" sz="2200" dirty="0"/>
               <a:t>However, if the violent crime rates plummet, then surely there is hope for us all! We will compare all results for each factor against violent crime rates with the national averages.</a:t>
             </a:r>
           </a:p>
           <a:p>
             <a:r>
-              <a:rPr lang="en-US" dirty="0"/>
+              <a:rPr lang="en-US" sz="2200" dirty="0"/>
               <a:t>Our null hypothesis is as follows: Violent crime is not statistically related to an increase or decrease in factors like graduation rates, income, or poverty rate. </a:t>
             </a:r>
           </a:p>

--- a/Project1Presentation.pptx
+++ b/Project1Presentation.pptx
@@ -6749,15 +6749,29 @@
           <a:p>
             <a:r>
               <a:rPr lang="en-US" sz="2200" dirty="0"/>
-              <a:t>If a city’s violent crime rate increases, there will be an inevitable drastic and economically devastating crash in population growth, graduation rate, and median income and a heart-wrenching increase in the city’s overall poverty level, widening the chasm that keeps us all from experiencing the utopian world peace that is so desperately desired. </a:t>
-            </a:r>
-          </a:p>
-          <a:p>
-            <a:pPr lvl="1"/>
+              <a:t>Our hypothesis: Rates of violent crime can be correlated with income, poverty rates and/or graduation rates in our cities. If a city’s violent crime rate is high, </a:t>
+            </a:r>
+            <a:r>
+              <a:rPr lang="en-US" sz="2200"/>
+              <a:t>this will </a:t>
+            </a:r>
             <a:r>
               <a:rPr lang="en-US" sz="2200" dirty="0"/>
-              <a:t>However, if the violent crime rates plummet, then surely there is hope for us all! We will compare all results for each factor against violent crime rates with the national averages.</a:t>
-            </a:r>
+              <a:t>also mean the income is lower, poverty </a:t>
+            </a:r>
+            <a:r>
+              <a:rPr lang="en-US" sz="2200"/>
+              <a:t>rates higher </a:t>
+            </a:r>
+            <a:r>
+              <a:rPr lang="en-US" sz="2200" dirty="0"/>
+              <a:t>and graduation rates lower than the </a:t>
+            </a:r>
+            <a:r>
+              <a:rPr lang="en-US" sz="2200"/>
+              <a:t>national average.</a:t>
+            </a:r>
+            <a:endParaRPr lang="en-US" sz="2200" dirty="0"/>
           </a:p>
           <a:p>
             <a:r>

--- a/Project1Presentation.pptx
+++ b/Project1Presentation.pptx
@@ -6748,34 +6748,13 @@
           <a:lstStyle/>
           <a:p>
             <a:r>
-              <a:rPr lang="en-US" sz="2200" dirty="0"/>
-              <a:t>Our hypothesis: Rates of violent crime can be correlated with income, poverty rates and/or graduation rates in our cities. If a city’s violent crime rate is high, </a:t>
-            </a:r>
-            <a:r>
-              <a:rPr lang="en-US" sz="2200"/>
-              <a:t>this will </a:t>
-            </a:r>
-            <a:r>
-              <a:rPr lang="en-US" sz="2200" dirty="0"/>
-              <a:t>also mean the income is lower, poverty </a:t>
-            </a:r>
-            <a:r>
-              <a:rPr lang="en-US" sz="2200"/>
-              <a:t>rates higher </a:t>
-            </a:r>
-            <a:r>
-              <a:rPr lang="en-US" sz="2200" dirty="0"/>
-              <a:t>and graduation rates lower than the </a:t>
-            </a:r>
-            <a:r>
-              <a:rPr lang="en-US" sz="2200"/>
-              <a:t>national average.</a:t>
-            </a:r>
-            <a:endParaRPr lang="en-US" sz="2200" dirty="0"/>
-          </a:p>
-          <a:p>
-            <a:r>
-              <a:rPr lang="en-US" sz="2200" dirty="0"/>
+              <a:rPr lang="en-US" sz="2400" dirty="0"/>
+              <a:t>Our hypothesis: Rates of violent crime can be correlated with income, poverty rates and/or graduation rates in our cities. If a city’s violent crime rate is high, this will also mean the income is lower, poverty rates higher and graduation rates lower than the national average.</a:t>
+            </a:r>
+          </a:p>
+          <a:p>
+            <a:r>
+              <a:rPr lang="en-US" sz="2400" dirty="0"/>
               <a:t>Our null hypothesis is as follows: Violent crime is not statistically related to an increase or decrease in factors like graduation rates, income, or poverty rate. </a:t>
             </a:r>
           </a:p>
